--- a/docs/diagrams/ModelComponentClassDiagramV1-5.pptx
+++ b/docs/diagrams/ModelComponentClassDiagramV1-5.pptx
@@ -126,6 +126,10 @@
 </p:presentation>
 </file>
 
+<file path=ppt/revisionInfo.xml><?xml version="1.0" encoding="utf-8"?>
+<p1510:revInfo xmlns:a="http://schemas.openxmlformats.org/drawingml/2006/main" xmlns:r="http://schemas.openxmlformats.org/officeDocument/2006/relationships" xmlns:p1510="http://schemas.microsoft.com/office/powerpoint/2015/10/main"/>
+</file>
+
 <file path=ppt/notesMasters/notesMaster1.xml><?xml version="1.0" encoding="utf-8"?>
 <p:notesMaster xmlns:a="http://schemas.openxmlformats.org/drawingml/2006/main" xmlns:r="http://schemas.openxmlformats.org/officeDocument/2006/relationships" xmlns:p="http://schemas.openxmlformats.org/presentationml/2006/main">
   <p:cSld>
@@ -208,7 +212,7 @@
           <a:p>
             <a:fld id="{F5CC4B3F-88C1-4FFA-B1B6-F41C21DC6924}" type="datetimeFigureOut">
               <a:rPr lang="en-US" smtClean="0"/>
-              <a:t>11/11/17</a:t>
+              <a:t>11/13/17</a:t>
             </a:fld>
             <a:endParaRPr lang="en-US"/>
           </a:p>
@@ -272,38 +276,37 @@
           <a:p>
             <a:pPr lvl="0"/>
             <a:r>
-              <a:rPr lang="en-US" smtClean="0"/>
+              <a:rPr lang="en-US"/>
               <a:t>Click to edit Master text styles</a:t>
             </a:r>
           </a:p>
           <a:p>
             <a:pPr lvl="1"/>
             <a:r>
-              <a:rPr lang="en-US" smtClean="0"/>
+              <a:rPr lang="en-US"/>
               <a:t>Second level</a:t>
             </a:r>
           </a:p>
           <a:p>
             <a:pPr lvl="2"/>
             <a:r>
-              <a:rPr lang="en-US" smtClean="0"/>
+              <a:rPr lang="en-US"/>
               <a:t>Third level</a:t>
             </a:r>
           </a:p>
           <a:p>
             <a:pPr lvl="3"/>
             <a:r>
-              <a:rPr lang="en-US" smtClean="0"/>
+              <a:rPr lang="en-US"/>
               <a:t>Fourth level</a:t>
             </a:r>
           </a:p>
           <a:p>
             <a:pPr lvl="4"/>
             <a:r>
-              <a:rPr lang="en-US" smtClean="0"/>
+              <a:rPr lang="en-US"/>
               <a:t>Fifth level</a:t>
             </a:r>
-            <a:endParaRPr lang="en-US"/>
           </a:p>
         </p:txBody>
       </p:sp>
@@ -514,10 +517,9 @@
           <a:lstStyle/>
           <a:p>
             <a:r>
-              <a:rPr lang="en-US" smtClean="0"/>
+              <a:rPr lang="en-US"/>
               <a:t>Click to edit Master title style</a:t>
             </a:r>
-            <a:endParaRPr lang="en-US"/>
           </a:p>
         </p:txBody>
       </p:sp>
@@ -633,10 +635,9 @@
           </a:lstStyle>
           <a:p>
             <a:r>
-              <a:rPr lang="en-US" smtClean="0"/>
+              <a:rPr lang="en-US"/>
               <a:t>Click to edit Master subtitle style</a:t>
             </a:r>
-            <a:endParaRPr lang="en-US"/>
           </a:p>
         </p:txBody>
       </p:sp>
@@ -657,7 +658,7 @@
           <a:p>
             <a:fld id="{78C97017-6FC3-485B-9764-EAC9E56C1D49}" type="datetimeFigureOut">
               <a:rPr lang="en-US" smtClean="0"/>
-              <a:t>11/11/17</a:t>
+              <a:t>11/13/17</a:t>
             </a:fld>
             <a:endParaRPr lang="en-US"/>
           </a:p>
@@ -751,10 +752,9 @@
           <a:lstStyle/>
           <a:p>
             <a:r>
-              <a:rPr lang="en-US" smtClean="0"/>
+              <a:rPr lang="en-US"/>
               <a:t>Click to edit Master title style</a:t>
             </a:r>
-            <a:endParaRPr lang="en-US"/>
           </a:p>
         </p:txBody>
       </p:sp>
@@ -775,38 +775,37 @@
           <a:p>
             <a:pPr lvl="0"/>
             <a:r>
-              <a:rPr lang="en-US" smtClean="0"/>
+              <a:rPr lang="en-US"/>
               <a:t>Click to edit Master text styles</a:t>
             </a:r>
           </a:p>
           <a:p>
             <a:pPr lvl="1"/>
             <a:r>
-              <a:rPr lang="en-US" smtClean="0"/>
+              <a:rPr lang="en-US"/>
               <a:t>Second level</a:t>
             </a:r>
           </a:p>
           <a:p>
             <a:pPr lvl="2"/>
             <a:r>
-              <a:rPr lang="en-US" smtClean="0"/>
+              <a:rPr lang="en-US"/>
               <a:t>Third level</a:t>
             </a:r>
           </a:p>
           <a:p>
             <a:pPr lvl="3"/>
             <a:r>
-              <a:rPr lang="en-US" smtClean="0"/>
+              <a:rPr lang="en-US"/>
               <a:t>Fourth level</a:t>
             </a:r>
           </a:p>
           <a:p>
             <a:pPr lvl="4"/>
             <a:r>
-              <a:rPr lang="en-US" smtClean="0"/>
+              <a:rPr lang="en-US"/>
               <a:t>Fifth level</a:t>
             </a:r>
-            <a:endParaRPr lang="en-US"/>
           </a:p>
         </p:txBody>
       </p:sp>
@@ -827,7 +826,7 @@
           <a:p>
             <a:fld id="{78C97017-6FC3-485B-9764-EAC9E56C1D49}" type="datetimeFigureOut">
               <a:rPr lang="en-US" smtClean="0"/>
-              <a:t>11/11/17</a:t>
+              <a:t>11/13/17</a:t>
             </a:fld>
             <a:endParaRPr lang="en-US"/>
           </a:p>
@@ -926,10 +925,9 @@
           <a:lstStyle/>
           <a:p>
             <a:r>
-              <a:rPr lang="en-US" smtClean="0"/>
+              <a:rPr lang="en-US"/>
               <a:t>Click to edit Master title style</a:t>
             </a:r>
-            <a:endParaRPr lang="en-US"/>
           </a:p>
         </p:txBody>
       </p:sp>
@@ -955,38 +953,37 @@
           <a:p>
             <a:pPr lvl="0"/>
             <a:r>
-              <a:rPr lang="en-US" smtClean="0"/>
+              <a:rPr lang="en-US"/>
               <a:t>Click to edit Master text styles</a:t>
             </a:r>
           </a:p>
           <a:p>
             <a:pPr lvl="1"/>
             <a:r>
-              <a:rPr lang="en-US" smtClean="0"/>
+              <a:rPr lang="en-US"/>
               <a:t>Second level</a:t>
             </a:r>
           </a:p>
           <a:p>
             <a:pPr lvl="2"/>
             <a:r>
-              <a:rPr lang="en-US" smtClean="0"/>
+              <a:rPr lang="en-US"/>
               <a:t>Third level</a:t>
             </a:r>
           </a:p>
           <a:p>
             <a:pPr lvl="3"/>
             <a:r>
-              <a:rPr lang="en-US" smtClean="0"/>
+              <a:rPr lang="en-US"/>
               <a:t>Fourth level</a:t>
             </a:r>
           </a:p>
           <a:p>
             <a:pPr lvl="4"/>
             <a:r>
-              <a:rPr lang="en-US" smtClean="0"/>
+              <a:rPr lang="en-US"/>
               <a:t>Fifth level</a:t>
             </a:r>
-            <a:endParaRPr lang="en-US"/>
           </a:p>
         </p:txBody>
       </p:sp>
@@ -1007,7 +1004,7 @@
           <a:p>
             <a:fld id="{78C97017-6FC3-485B-9764-EAC9E56C1D49}" type="datetimeFigureOut">
               <a:rPr lang="en-US" smtClean="0"/>
-              <a:t>11/11/17</a:t>
+              <a:t>11/13/17</a:t>
             </a:fld>
             <a:endParaRPr lang="en-US"/>
           </a:p>
@@ -1101,10 +1098,9 @@
           <a:lstStyle/>
           <a:p>
             <a:r>
-              <a:rPr lang="en-US" smtClean="0"/>
+              <a:rPr lang="en-US"/>
               <a:t>Click to edit Master title style</a:t>
             </a:r>
-            <a:endParaRPr lang="en-US"/>
           </a:p>
         </p:txBody>
       </p:sp>
@@ -1125,38 +1121,37 @@
           <a:p>
             <a:pPr lvl="0"/>
             <a:r>
-              <a:rPr lang="en-US" smtClean="0"/>
+              <a:rPr lang="en-US"/>
               <a:t>Click to edit Master text styles</a:t>
             </a:r>
           </a:p>
           <a:p>
             <a:pPr lvl="1"/>
             <a:r>
-              <a:rPr lang="en-US" smtClean="0"/>
+              <a:rPr lang="en-US"/>
               <a:t>Second level</a:t>
             </a:r>
           </a:p>
           <a:p>
             <a:pPr lvl="2"/>
             <a:r>
-              <a:rPr lang="en-US" smtClean="0"/>
+              <a:rPr lang="en-US"/>
               <a:t>Third level</a:t>
             </a:r>
           </a:p>
           <a:p>
             <a:pPr lvl="3"/>
             <a:r>
-              <a:rPr lang="en-US" smtClean="0"/>
+              <a:rPr lang="en-US"/>
               <a:t>Fourth level</a:t>
             </a:r>
           </a:p>
           <a:p>
             <a:pPr lvl="4"/>
             <a:r>
-              <a:rPr lang="en-US" smtClean="0"/>
+              <a:rPr lang="en-US"/>
               <a:t>Fifth level</a:t>
             </a:r>
-            <a:endParaRPr lang="en-US"/>
           </a:p>
         </p:txBody>
       </p:sp>
@@ -1177,7 +1172,7 @@
           <a:p>
             <a:fld id="{78C97017-6FC3-485B-9764-EAC9E56C1D49}" type="datetimeFigureOut">
               <a:rPr lang="en-US" smtClean="0"/>
-              <a:t>11/11/17</a:t>
+              <a:t>11/13/17</a:t>
             </a:fld>
             <a:endParaRPr lang="en-US"/>
           </a:p>
@@ -1280,10 +1275,9 @@
           </a:lstStyle>
           <a:p>
             <a:r>
-              <a:rPr lang="en-US" smtClean="0"/>
+              <a:rPr lang="en-US"/>
               <a:t>Click to edit Master title style</a:t>
             </a:r>
-            <a:endParaRPr lang="en-US"/>
           </a:p>
         </p:txBody>
       </p:sp>
@@ -1400,7 +1394,7 @@
           <a:p>
             <a:pPr lvl="0"/>
             <a:r>
-              <a:rPr lang="en-US" smtClean="0"/>
+              <a:rPr lang="en-US"/>
               <a:t>Click to edit Master text styles</a:t>
             </a:r>
           </a:p>
@@ -1423,7 +1417,7 @@
           <a:p>
             <a:fld id="{78C97017-6FC3-485B-9764-EAC9E56C1D49}" type="datetimeFigureOut">
               <a:rPr lang="en-US" smtClean="0"/>
-              <a:t>11/11/17</a:t>
+              <a:t>11/13/17</a:t>
             </a:fld>
             <a:endParaRPr lang="en-US"/>
           </a:p>
@@ -1517,10 +1511,9 @@
           <a:lstStyle/>
           <a:p>
             <a:r>
-              <a:rPr lang="en-US" smtClean="0"/>
+              <a:rPr lang="en-US"/>
               <a:t>Click to edit Master title style</a:t>
             </a:r>
-            <a:endParaRPr lang="en-US"/>
           </a:p>
         </p:txBody>
       </p:sp>
@@ -1574,38 +1567,37 @@
           <a:p>
             <a:pPr lvl="0"/>
             <a:r>
-              <a:rPr lang="en-US" smtClean="0"/>
+              <a:rPr lang="en-US"/>
               <a:t>Click to edit Master text styles</a:t>
             </a:r>
           </a:p>
           <a:p>
             <a:pPr lvl="1"/>
             <a:r>
-              <a:rPr lang="en-US" smtClean="0"/>
+              <a:rPr lang="en-US"/>
               <a:t>Second level</a:t>
             </a:r>
           </a:p>
           <a:p>
             <a:pPr lvl="2"/>
             <a:r>
-              <a:rPr lang="en-US" smtClean="0"/>
+              <a:rPr lang="en-US"/>
               <a:t>Third level</a:t>
             </a:r>
           </a:p>
           <a:p>
             <a:pPr lvl="3"/>
             <a:r>
-              <a:rPr lang="en-US" smtClean="0"/>
+              <a:rPr lang="en-US"/>
               <a:t>Fourth level</a:t>
             </a:r>
           </a:p>
           <a:p>
             <a:pPr lvl="4"/>
             <a:r>
-              <a:rPr lang="en-US" smtClean="0"/>
+              <a:rPr lang="en-US"/>
               <a:t>Fifth level</a:t>
             </a:r>
-            <a:endParaRPr lang="en-US"/>
           </a:p>
         </p:txBody>
       </p:sp>
@@ -1659,38 +1651,37 @@
           <a:p>
             <a:pPr lvl="0"/>
             <a:r>
-              <a:rPr lang="en-US" smtClean="0"/>
+              <a:rPr lang="en-US"/>
               <a:t>Click to edit Master text styles</a:t>
             </a:r>
           </a:p>
           <a:p>
             <a:pPr lvl="1"/>
             <a:r>
-              <a:rPr lang="en-US" smtClean="0"/>
+              <a:rPr lang="en-US"/>
               <a:t>Second level</a:t>
             </a:r>
           </a:p>
           <a:p>
             <a:pPr lvl="2"/>
             <a:r>
-              <a:rPr lang="en-US" smtClean="0"/>
+              <a:rPr lang="en-US"/>
               <a:t>Third level</a:t>
             </a:r>
           </a:p>
           <a:p>
             <a:pPr lvl="3"/>
             <a:r>
-              <a:rPr lang="en-US" smtClean="0"/>
+              <a:rPr lang="en-US"/>
               <a:t>Fourth level</a:t>
             </a:r>
           </a:p>
           <a:p>
             <a:pPr lvl="4"/>
             <a:r>
-              <a:rPr lang="en-US" smtClean="0"/>
+              <a:rPr lang="en-US"/>
               <a:t>Fifth level</a:t>
             </a:r>
-            <a:endParaRPr lang="en-US"/>
           </a:p>
         </p:txBody>
       </p:sp>
@@ -1711,7 +1702,7 @@
           <a:p>
             <a:fld id="{78C97017-6FC3-485B-9764-EAC9E56C1D49}" type="datetimeFigureOut">
               <a:rPr lang="en-US" smtClean="0"/>
-              <a:t>11/11/17</a:t>
+              <a:t>11/13/17</a:t>
             </a:fld>
             <a:endParaRPr lang="en-US"/>
           </a:p>
@@ -1809,10 +1800,9 @@
           </a:lstStyle>
           <a:p>
             <a:r>
-              <a:rPr lang="en-US" smtClean="0"/>
+              <a:rPr lang="en-US"/>
               <a:t>Click to edit Master title style</a:t>
             </a:r>
-            <a:endParaRPr lang="en-US"/>
           </a:p>
         </p:txBody>
       </p:sp>
@@ -1875,7 +1865,7 @@
           <a:p>
             <a:pPr lvl="0"/>
             <a:r>
-              <a:rPr lang="en-US" smtClean="0"/>
+              <a:rPr lang="en-US"/>
               <a:t>Click to edit Master text styles</a:t>
             </a:r>
           </a:p>
@@ -1931,38 +1921,37 @@
           <a:p>
             <a:pPr lvl="0"/>
             <a:r>
-              <a:rPr lang="en-US" smtClean="0"/>
+              <a:rPr lang="en-US"/>
               <a:t>Click to edit Master text styles</a:t>
             </a:r>
           </a:p>
           <a:p>
             <a:pPr lvl="1"/>
             <a:r>
-              <a:rPr lang="en-US" smtClean="0"/>
+              <a:rPr lang="en-US"/>
               <a:t>Second level</a:t>
             </a:r>
           </a:p>
           <a:p>
             <a:pPr lvl="2"/>
             <a:r>
-              <a:rPr lang="en-US" smtClean="0"/>
+              <a:rPr lang="en-US"/>
               <a:t>Third level</a:t>
             </a:r>
           </a:p>
           <a:p>
             <a:pPr lvl="3"/>
             <a:r>
-              <a:rPr lang="en-US" smtClean="0"/>
+              <a:rPr lang="en-US"/>
               <a:t>Fourth level</a:t>
             </a:r>
           </a:p>
           <a:p>
             <a:pPr lvl="4"/>
             <a:r>
-              <a:rPr lang="en-US" smtClean="0"/>
+              <a:rPr lang="en-US"/>
               <a:t>Fifth level</a:t>
             </a:r>
-            <a:endParaRPr lang="en-US"/>
           </a:p>
         </p:txBody>
       </p:sp>
@@ -2025,7 +2014,7 @@
           <a:p>
             <a:pPr lvl="0"/>
             <a:r>
-              <a:rPr lang="en-US" smtClean="0"/>
+              <a:rPr lang="en-US"/>
               <a:t>Click to edit Master text styles</a:t>
             </a:r>
           </a:p>
@@ -2081,38 +2070,37 @@
           <a:p>
             <a:pPr lvl="0"/>
             <a:r>
-              <a:rPr lang="en-US" smtClean="0"/>
+              <a:rPr lang="en-US"/>
               <a:t>Click to edit Master text styles</a:t>
             </a:r>
           </a:p>
           <a:p>
             <a:pPr lvl="1"/>
             <a:r>
-              <a:rPr lang="en-US" smtClean="0"/>
+              <a:rPr lang="en-US"/>
               <a:t>Second level</a:t>
             </a:r>
           </a:p>
           <a:p>
             <a:pPr lvl="2"/>
             <a:r>
-              <a:rPr lang="en-US" smtClean="0"/>
+              <a:rPr lang="en-US"/>
               <a:t>Third level</a:t>
             </a:r>
           </a:p>
           <a:p>
             <a:pPr lvl="3"/>
             <a:r>
-              <a:rPr lang="en-US" smtClean="0"/>
+              <a:rPr lang="en-US"/>
               <a:t>Fourth level</a:t>
             </a:r>
           </a:p>
           <a:p>
             <a:pPr lvl="4"/>
             <a:r>
-              <a:rPr lang="en-US" smtClean="0"/>
+              <a:rPr lang="en-US"/>
               <a:t>Fifth level</a:t>
             </a:r>
-            <a:endParaRPr lang="en-US"/>
           </a:p>
         </p:txBody>
       </p:sp>
@@ -2133,7 +2121,7 @@
           <a:p>
             <a:fld id="{78C97017-6FC3-485B-9764-EAC9E56C1D49}" type="datetimeFigureOut">
               <a:rPr lang="en-US" smtClean="0"/>
-              <a:t>11/11/17</a:t>
+              <a:t>11/13/17</a:t>
             </a:fld>
             <a:endParaRPr lang="en-US"/>
           </a:p>
@@ -2227,10 +2215,9 @@
           <a:lstStyle/>
           <a:p>
             <a:r>
-              <a:rPr lang="en-US" smtClean="0"/>
+              <a:rPr lang="en-US"/>
               <a:t>Click to edit Master title style</a:t>
             </a:r>
-            <a:endParaRPr lang="en-US"/>
           </a:p>
         </p:txBody>
       </p:sp>
@@ -2251,7 +2238,7 @@
           <a:p>
             <a:fld id="{78C97017-6FC3-485B-9764-EAC9E56C1D49}" type="datetimeFigureOut">
               <a:rPr lang="en-US" smtClean="0"/>
-              <a:t>11/11/17</a:t>
+              <a:t>11/13/17</a:t>
             </a:fld>
             <a:endParaRPr lang="en-US"/>
           </a:p>
@@ -2346,7 +2333,7 @@
           <a:p>
             <a:fld id="{78C97017-6FC3-485B-9764-EAC9E56C1D49}" type="datetimeFigureOut">
               <a:rPr lang="en-US" smtClean="0"/>
-              <a:t>11/11/17</a:t>
+              <a:t>11/13/17</a:t>
             </a:fld>
             <a:endParaRPr lang="en-US"/>
           </a:p>
@@ -2449,10 +2436,9 @@
           </a:lstStyle>
           <a:p>
             <a:r>
-              <a:rPr lang="en-US" smtClean="0"/>
+              <a:rPr lang="en-US"/>
               <a:t>Click to edit Master title style</a:t>
             </a:r>
-            <a:endParaRPr lang="en-US"/>
           </a:p>
         </p:txBody>
       </p:sp>
@@ -2506,38 +2492,37 @@
           <a:p>
             <a:pPr lvl="0"/>
             <a:r>
-              <a:rPr lang="en-US" smtClean="0"/>
+              <a:rPr lang="en-US"/>
               <a:t>Click to edit Master text styles</a:t>
             </a:r>
           </a:p>
           <a:p>
             <a:pPr lvl="1"/>
             <a:r>
-              <a:rPr lang="en-US" smtClean="0"/>
+              <a:rPr lang="en-US"/>
               <a:t>Second level</a:t>
             </a:r>
           </a:p>
           <a:p>
             <a:pPr lvl="2"/>
             <a:r>
-              <a:rPr lang="en-US" smtClean="0"/>
+              <a:rPr lang="en-US"/>
               <a:t>Third level</a:t>
             </a:r>
           </a:p>
           <a:p>
             <a:pPr lvl="3"/>
             <a:r>
-              <a:rPr lang="en-US" smtClean="0"/>
+              <a:rPr lang="en-US"/>
               <a:t>Fourth level</a:t>
             </a:r>
           </a:p>
           <a:p>
             <a:pPr lvl="4"/>
             <a:r>
-              <a:rPr lang="en-US" smtClean="0"/>
+              <a:rPr lang="en-US"/>
               <a:t>Fifth level</a:t>
             </a:r>
-            <a:endParaRPr lang="en-US"/>
           </a:p>
         </p:txBody>
       </p:sp>
@@ -2600,7 +2585,7 @@
           <a:p>
             <a:pPr lvl="0"/>
             <a:r>
-              <a:rPr lang="en-US" smtClean="0"/>
+              <a:rPr lang="en-US"/>
               <a:t>Click to edit Master text styles</a:t>
             </a:r>
           </a:p>
@@ -2623,7 +2608,7 @@
           <a:p>
             <a:fld id="{78C97017-6FC3-485B-9764-EAC9E56C1D49}" type="datetimeFigureOut">
               <a:rPr lang="en-US" smtClean="0"/>
-              <a:t>11/11/17</a:t>
+              <a:t>11/13/17</a:t>
             </a:fld>
             <a:endParaRPr lang="en-US"/>
           </a:p>
@@ -2726,10 +2711,9 @@
           </a:lstStyle>
           <a:p>
             <a:r>
-              <a:rPr lang="en-US" smtClean="0"/>
+              <a:rPr lang="en-US"/>
               <a:t>Click to edit Master title style</a:t>
             </a:r>
-            <a:endParaRPr lang="en-US"/>
           </a:p>
         </p:txBody>
       </p:sp>
@@ -2853,7 +2837,7 @@
           <a:p>
             <a:pPr lvl="0"/>
             <a:r>
-              <a:rPr lang="en-US" smtClean="0"/>
+              <a:rPr lang="en-US"/>
               <a:t>Click to edit Master text styles</a:t>
             </a:r>
           </a:p>
@@ -2876,7 +2860,7 @@
           <a:p>
             <a:fld id="{78C97017-6FC3-485B-9764-EAC9E56C1D49}" type="datetimeFigureOut">
               <a:rPr lang="en-US" smtClean="0"/>
-              <a:t>11/11/17</a:t>
+              <a:t>11/13/17</a:t>
             </a:fld>
             <a:endParaRPr lang="en-US"/>
           </a:p>
@@ -2985,10 +2969,9 @@
           <a:lstStyle/>
           <a:p>
             <a:r>
-              <a:rPr lang="en-US" smtClean="0"/>
+              <a:rPr lang="en-US"/>
               <a:t>Click to edit Master title style</a:t>
             </a:r>
-            <a:endParaRPr lang="en-US"/>
           </a:p>
         </p:txBody>
       </p:sp>
@@ -3019,38 +3002,37 @@
           <a:p>
             <a:pPr lvl="0"/>
             <a:r>
-              <a:rPr lang="en-US" smtClean="0"/>
+              <a:rPr lang="en-US"/>
               <a:t>Click to edit Master text styles</a:t>
             </a:r>
           </a:p>
           <a:p>
             <a:pPr lvl="1"/>
             <a:r>
-              <a:rPr lang="en-US" smtClean="0"/>
+              <a:rPr lang="en-US"/>
               <a:t>Second level</a:t>
             </a:r>
           </a:p>
           <a:p>
             <a:pPr lvl="2"/>
             <a:r>
-              <a:rPr lang="en-US" smtClean="0"/>
+              <a:rPr lang="en-US"/>
               <a:t>Third level</a:t>
             </a:r>
           </a:p>
           <a:p>
             <a:pPr lvl="3"/>
             <a:r>
-              <a:rPr lang="en-US" smtClean="0"/>
+              <a:rPr lang="en-US"/>
               <a:t>Fourth level</a:t>
             </a:r>
           </a:p>
           <a:p>
             <a:pPr lvl="4"/>
             <a:r>
-              <a:rPr lang="en-US" smtClean="0"/>
+              <a:rPr lang="en-US"/>
               <a:t>Fifth level</a:t>
             </a:r>
-            <a:endParaRPr lang="en-US"/>
           </a:p>
         </p:txBody>
       </p:sp>
@@ -3089,7 +3071,7 @@
           <a:p>
             <a:fld id="{78C97017-6FC3-485B-9764-EAC9E56C1D49}" type="datetimeFigureOut">
               <a:rPr lang="en-US" smtClean="0"/>
-              <a:t>11/11/17</a:t>
+              <a:t>11/13/17</a:t>
             </a:fld>
             <a:endParaRPr lang="en-US"/>
           </a:p>
@@ -3466,14 +3448,20 @@
       </p:grpSpPr>
       <p:sp>
         <p:nvSpPr>
-          <p:cNvPr id="118" name="Rectangle 65"/>
+          <p:cNvPr id="177" name="Rectangle 65">
+            <a:extLst>
+              <a:ext uri="{FF2B5EF4-FFF2-40B4-BE49-F238E27FC236}">
+                <a16:creationId xmlns="" xmlns:a16="http://schemas.microsoft.com/office/drawing/2014/main" id="{223AB5F6-11EB-464B-8958-3EA48ED3C33B}"/>
+              </a:ext>
+            </a:extLst>
+          </p:cNvPr>
           <p:cNvSpPr/>
           <p:nvPr/>
         </p:nvSpPr>
         <p:spPr>
           <a:xfrm>
-            <a:off x="838200" y="609600"/>
-            <a:ext cx="8153400" cy="5105400"/>
+            <a:off x="838200" y="533400"/>
+            <a:ext cx="8153400" cy="6019800"/>
           </a:xfrm>
           <a:prstGeom prst="roundRect">
             <a:avLst>
@@ -3510,7 +3498,7 @@
           <a:lstStyle/>
           <a:p>
             <a:r>
-              <a:rPr lang="en-US" sz="1200" b="1" dirty="0" smtClean="0">
+              <a:rPr lang="en-US" sz="1200" b="1" dirty="0">
                 <a:solidFill>
                   <a:srgbClr val="7030A0"/>
                 </a:solidFill>
@@ -3569,7 +3557,7 @@
           <a:p>
             <a:pPr algn="ctr"/>
             <a:r>
-              <a:rPr lang="en-US" sz="1050" dirty="0" smtClean="0">
+              <a:rPr lang="en-US" sz="1050" dirty="0">
                 <a:solidFill>
                   <a:schemeClr val="bg1"/>
                 </a:solidFill>
@@ -3592,8 +3580,8 @@
         </p:nvSpPr>
         <p:spPr>
           <a:xfrm rot="16200000">
-            <a:off x="957469" y="2599965"/>
-            <a:ext cx="2000550" cy="346760"/>
+            <a:off x="291762" y="3265672"/>
+            <a:ext cx="3331964" cy="346760"/>
           </a:xfrm>
           <a:prstGeom prst="rect">
             <a:avLst/>
@@ -3628,7 +3616,7 @@
           <a:p>
             <a:pPr algn="ctr"/>
             <a:r>
-              <a:rPr lang="en-US" sz="1050" dirty="0" smtClean="0">
+              <a:rPr lang="en-US" sz="1050" dirty="0">
                 <a:solidFill>
                   <a:schemeClr val="bg1"/>
                 </a:solidFill>
@@ -3739,7 +3727,7 @@
           <a:p>
             <a:pPr algn="ctr"/>
             <a:r>
-              <a:rPr lang="en-US" sz="1050" dirty="0" smtClean="0">
+              <a:rPr lang="en-US" sz="1050" dirty="0">
                 <a:solidFill>
                   <a:schemeClr val="bg1"/>
                 </a:solidFill>
@@ -4063,7 +4051,7 @@
           <a:p>
             <a:pPr algn="ctr"/>
             <a:r>
-              <a:rPr lang="en-US" sz="1050" dirty="0" smtClean="0">
+              <a:rPr lang="en-US" sz="1050" dirty="0">
                 <a:solidFill>
                   <a:srgbClr val="7030A0"/>
                 </a:solidFill>
@@ -4205,7 +4193,7 @@
           <a:p>
             <a:pPr algn="ctr"/>
             <a:r>
-              <a:rPr lang="en-US" sz="1050" dirty="0" smtClean="0">
+              <a:rPr lang="en-US" sz="1050" dirty="0">
                 <a:solidFill>
                   <a:srgbClr val="7030A0"/>
                 </a:solidFill>
@@ -4349,7 +4337,7 @@
           <a:p>
             <a:pPr algn="ctr"/>
             <a:r>
-              <a:rPr lang="en-US" sz="1050" dirty="0" smtClean="0">
+              <a:rPr lang="en-US" sz="1050" dirty="0">
                 <a:solidFill>
                   <a:srgbClr val="7030A0"/>
                 </a:solidFill>
@@ -4448,7 +4436,7 @@
           <a:p>
             <a:pPr algn="ctr"/>
             <a:r>
-              <a:rPr lang="en-US" sz="1050" dirty="0" smtClean="0">
+              <a:rPr lang="en-US" sz="1050" dirty="0">
                 <a:solidFill>
                   <a:srgbClr val="7030A0"/>
                 </a:solidFill>
@@ -4590,7 +4578,7 @@
           <a:p>
             <a:pPr algn="ctr"/>
             <a:r>
-              <a:rPr lang="en-US" sz="1050" dirty="0" smtClean="0">
+              <a:rPr lang="en-US" sz="1050" dirty="0">
                 <a:solidFill>
                   <a:srgbClr val="7030A0"/>
                 </a:solidFill>
@@ -4732,7 +4720,7 @@
           <a:p>
             <a:pPr algn="ctr"/>
             <a:r>
-              <a:rPr lang="en-US" sz="1050" dirty="0" smtClean="0">
+              <a:rPr lang="en-US" sz="1050" dirty="0">
                 <a:solidFill>
                   <a:srgbClr val="7030A0"/>
                 </a:solidFill>
@@ -4740,14 +4728,14 @@
               <a:t>&lt;&lt;interface&gt;&gt;</a:t>
             </a:r>
             <a:br>
-              <a:rPr lang="en-US" sz="1050" dirty="0" smtClean="0">
+              <a:rPr lang="en-US" sz="1050" dirty="0">
                 <a:solidFill>
                   <a:srgbClr val="7030A0"/>
                 </a:solidFill>
               </a:rPr>
             </a:br>
             <a:r>
-              <a:rPr lang="en-US" sz="1050" dirty="0" smtClean="0">
+              <a:rPr lang="en-US" sz="1050" dirty="0">
                 <a:solidFill>
                   <a:srgbClr val="7030A0"/>
                 </a:solidFill>
@@ -4803,7 +4791,7 @@
           <a:p>
             <a:pPr algn="ctr"/>
             <a:r>
-              <a:rPr lang="en-US" sz="1050" dirty="0" smtClean="0">
+              <a:rPr lang="en-US" sz="1050" dirty="0">
                 <a:solidFill>
                   <a:srgbClr val="7030A0"/>
                 </a:solidFill>
@@ -4946,7 +4934,7 @@
           <a:p>
             <a:pPr algn="ctr"/>
             <a:r>
-              <a:rPr lang="en-US" sz="1050" dirty="0" smtClean="0">
+              <a:rPr lang="en-US" sz="1050" dirty="0">
                 <a:solidFill>
                   <a:srgbClr val="7030A0"/>
                 </a:solidFill>
@@ -5042,7 +5030,7 @@
           <a:p>
             <a:pPr algn="ctr"/>
             <a:r>
-              <a:rPr lang="en-US" sz="1050" dirty="0" smtClean="0">
+              <a:rPr lang="en-US" sz="1050" dirty="0">
                 <a:solidFill>
                   <a:srgbClr val="7030A0"/>
                 </a:solidFill>
@@ -5141,7 +5129,7 @@
           <a:p>
             <a:pPr algn="ctr"/>
             <a:r>
-              <a:rPr lang="en-US" sz="1050" dirty="0" smtClean="0">
+              <a:rPr lang="en-US" sz="1050" dirty="0">
                 <a:solidFill>
                   <a:srgbClr val="7030A0"/>
                 </a:solidFill>
@@ -5288,130 +5276,12 @@
           <a:p>
             <a:pPr algn="ctr"/>
             <a:r>
-              <a:rPr lang="en-US" sz="1050" dirty="0" smtClean="0">
+              <a:rPr lang="en-US" sz="1050" dirty="0">
                 <a:solidFill>
                   <a:srgbClr val="7030A0"/>
                 </a:solidFill>
               </a:rPr>
               <a:t>&lt;&lt;interface&gt;&gt;</a:t>
-            </a:r>
-            <a:br>
-              <a:rPr lang="en-US" sz="1050" dirty="0" smtClean="0">
-                <a:solidFill>
-                  <a:srgbClr val="7030A0"/>
-                </a:solidFill>
-              </a:rPr>
-            </a:br>
-            <a:r>
-              <a:rPr lang="en-US" sz="1050" dirty="0" smtClean="0">
-                <a:solidFill>
-                  <a:srgbClr val="7030A0"/>
-                </a:solidFill>
-              </a:rPr>
-              <a:t>ReadOnlyAddressBook</a:t>
-            </a:r>
-            <a:endParaRPr lang="en-SG" sz="1050" dirty="0">
-              <a:solidFill>
-                <a:srgbClr val="7030A0"/>
-              </a:solidFill>
-            </a:endParaRPr>
-          </a:p>
-        </p:txBody>
-      </p:sp>
-      <p:sp>
-        <p:nvSpPr>
-          <p:cNvPr id="114" name="TextBox 113"/>
-          <p:cNvSpPr txBox="1"/>
-          <p:nvPr/>
-        </p:nvSpPr>
-        <p:spPr>
-          <a:xfrm rot="16200000">
-            <a:off x="6284493" y="1543790"/>
-            <a:ext cx="881018" cy="261610"/>
-          </a:xfrm>
-          <a:prstGeom prst="rect">
-            <a:avLst/>
-          </a:prstGeom>
-          <a:noFill/>
-        </p:spPr>
-        <p:txBody>
-          <a:bodyPr wrap="square" rtlCol="0">
-            <a:spAutoFit/>
-          </a:bodyPr>
-          <a:lstStyle/>
-          <a:p>
-            <a:pPr algn="r"/>
-            <a:r>
-              <a:rPr lang="en-US" sz="1100" dirty="0" smtClean="0">
-                <a:solidFill>
-                  <a:srgbClr val="7030A0"/>
-                </a:solidFill>
-              </a:rPr>
-              <a:t>filtered list</a:t>
-            </a:r>
-            <a:endParaRPr lang="en-SG" sz="1100" dirty="0">
-              <a:solidFill>
-                <a:srgbClr val="7030A0"/>
-              </a:solidFill>
-            </a:endParaRPr>
-          </a:p>
-        </p:txBody>
-      </p:sp>
-      <p:sp>
-        <p:nvSpPr>
-          <p:cNvPr id="122" name="Rectangle 8"/>
-          <p:cNvSpPr/>
-          <p:nvPr/>
-        </p:nvSpPr>
-        <p:spPr>
-          <a:xfrm>
-            <a:off x="1784364" y="5111602"/>
-            <a:ext cx="1066800" cy="346760"/>
-          </a:xfrm>
-          <a:prstGeom prst="rect">
-            <a:avLst/>
-          </a:prstGeom>
-          <a:ln w="19050">
-            <a:solidFill>
-              <a:srgbClr val="7030A0"/>
-            </a:solidFill>
-          </a:ln>
-          <a:effectLst/>
-        </p:spPr>
-        <p:style>
-          <a:lnRef idx="1">
-            <a:schemeClr val="accent4"/>
-          </a:lnRef>
-          <a:fillRef idx="2">
-            <a:schemeClr val="accent4"/>
-          </a:fillRef>
-          <a:effectRef idx="1">
-            <a:schemeClr val="accent4"/>
-          </a:effectRef>
-          <a:fontRef idx="minor">
-            <a:schemeClr val="dk1"/>
-          </a:fontRef>
-        </p:style>
-        <p:txBody>
-          <a:bodyPr rtlCol="0" anchor="ctr"/>
-          <a:lstStyle/>
-          <a:p>
-            <a:pPr algn="ctr"/>
-            <a:r>
-              <a:rPr lang="en-US" sz="1050" dirty="0" smtClean="0">
-                <a:solidFill>
-                  <a:srgbClr val="7030A0"/>
-                </a:solidFill>
-              </a:rPr>
-              <a:t>&lt;&lt;interface&gt;&gt;</a:t>
-            </a:r>
-            <a:r>
-              <a:rPr lang="en-US" sz="1050" dirty="0">
-                <a:solidFill>
-                  <a:srgbClr val="7030A0"/>
-                </a:solidFill>
-              </a:rPr>
-              <a:t/>
             </a:r>
             <a:br>
               <a:rPr lang="en-US" sz="1050" dirty="0">
@@ -5421,7 +5291,117 @@
               </a:rPr>
             </a:br>
             <a:r>
-              <a:rPr lang="en-US" sz="1050" dirty="0" smtClean="0">
+              <a:rPr lang="en-US" sz="1050" dirty="0">
+                <a:solidFill>
+                  <a:srgbClr val="7030A0"/>
+                </a:solidFill>
+              </a:rPr>
+              <a:t>ReadOnlyAddressBook</a:t>
+            </a:r>
+            <a:endParaRPr lang="en-SG" sz="1050" dirty="0">
+              <a:solidFill>
+                <a:srgbClr val="7030A0"/>
+              </a:solidFill>
+            </a:endParaRPr>
+          </a:p>
+        </p:txBody>
+      </p:sp>
+      <p:sp>
+        <p:nvSpPr>
+          <p:cNvPr id="114" name="TextBox 113"/>
+          <p:cNvSpPr txBox="1"/>
+          <p:nvPr/>
+        </p:nvSpPr>
+        <p:spPr>
+          <a:xfrm rot="16200000">
+            <a:off x="6284493" y="1543790"/>
+            <a:ext cx="881018" cy="261610"/>
+          </a:xfrm>
+          <a:prstGeom prst="rect">
+            <a:avLst/>
+          </a:prstGeom>
+          <a:noFill/>
+        </p:spPr>
+        <p:txBody>
+          <a:bodyPr wrap="square" rtlCol="0">
+            <a:spAutoFit/>
+          </a:bodyPr>
+          <a:lstStyle/>
+          <a:p>
+            <a:pPr algn="r"/>
+            <a:r>
+              <a:rPr lang="en-US" sz="1100" dirty="0">
+                <a:solidFill>
+                  <a:srgbClr val="7030A0"/>
+                </a:solidFill>
+              </a:rPr>
+              <a:t>filtered list</a:t>
+            </a:r>
+            <a:endParaRPr lang="en-SG" sz="1100" dirty="0">
+              <a:solidFill>
+                <a:srgbClr val="7030A0"/>
+              </a:solidFill>
+            </a:endParaRPr>
+          </a:p>
+        </p:txBody>
+      </p:sp>
+      <p:sp>
+        <p:nvSpPr>
+          <p:cNvPr id="122" name="Rectangle 8"/>
+          <p:cNvSpPr/>
+          <p:nvPr/>
+        </p:nvSpPr>
+        <p:spPr>
+          <a:xfrm>
+            <a:off x="1434086" y="5950352"/>
+            <a:ext cx="1066800" cy="346760"/>
+          </a:xfrm>
+          <a:prstGeom prst="rect">
+            <a:avLst/>
+          </a:prstGeom>
+          <a:ln w="19050">
+            <a:solidFill>
+              <a:srgbClr val="7030A0"/>
+            </a:solidFill>
+          </a:ln>
+          <a:effectLst/>
+        </p:spPr>
+        <p:style>
+          <a:lnRef idx="1">
+            <a:schemeClr val="accent4"/>
+          </a:lnRef>
+          <a:fillRef idx="2">
+            <a:schemeClr val="accent4"/>
+          </a:fillRef>
+          <a:effectRef idx="1">
+            <a:schemeClr val="accent4"/>
+          </a:effectRef>
+          <a:fontRef idx="minor">
+            <a:schemeClr val="dk1"/>
+          </a:fontRef>
+        </p:style>
+        <p:txBody>
+          <a:bodyPr rtlCol="0" anchor="ctr"/>
+          <a:lstStyle/>
+          <a:p>
+            <a:pPr algn="ctr"/>
+            <a:r>
+              <a:rPr lang="en-US" sz="1050" dirty="0">
+                <a:solidFill>
+                  <a:srgbClr val="7030A0"/>
+                </a:solidFill>
+              </a:rPr>
+              <a:t>&lt;&lt;interface&gt;&gt;</a:t>
+            </a:r>
+            <a:br>
+              <a:rPr lang="en-US" sz="1050" dirty="0">
+                <a:solidFill>
+                  <a:srgbClr val="7030A0"/>
+                </a:solidFill>
+              </a:rPr>
+            </a:br>
+            <a:r>
+              <a:rPr lang="en-US" sz="1050" dirty="0">
                 <a:solidFill>
                   <a:srgbClr val="7030A0"/>
                 </a:solidFill>
@@ -5447,8 +5427,8 @@
         </p:nvCxnSpPr>
         <p:spPr>
           <a:xfrm rot="16200000" flipH="1">
-            <a:off x="384763" y="3885381"/>
-            <a:ext cx="2236192" cy="563009"/>
+            <a:off x="-209751" y="4479895"/>
+            <a:ext cx="3074942" cy="212731"/>
           </a:xfrm>
           <a:prstGeom prst="bentConnector2">
             <a:avLst/>
@@ -5543,7 +5523,7 @@
           <a:p>
             <a:pPr algn="ctr"/>
             <a:r>
-              <a:rPr lang="en-US" sz="1100" dirty="0" smtClean="0">
+              <a:rPr lang="en-US" sz="1100" dirty="0">
                 <a:solidFill>
                   <a:srgbClr val="7030A0"/>
                 </a:solidFill>
@@ -5582,7 +5562,7 @@
           <a:p>
             <a:pPr algn="ctr"/>
             <a:r>
-              <a:rPr lang="en-US" sz="1100" dirty="0" smtClean="0">
+              <a:rPr lang="en-US" sz="1100" dirty="0">
                 <a:solidFill>
                   <a:srgbClr val="7030A0"/>
                 </a:solidFill>
@@ -5621,7 +5601,7 @@
           <a:p>
             <a:pPr algn="ctr"/>
             <a:r>
-              <a:rPr lang="en-US" sz="1100" dirty="0" smtClean="0">
+              <a:rPr lang="en-US" sz="1100" dirty="0">
                 <a:solidFill>
                   <a:srgbClr val="7030A0"/>
                 </a:solidFill>
@@ -5660,7 +5640,7 @@
           <a:p>
             <a:pPr algn="ctr"/>
             <a:r>
-              <a:rPr lang="en-US" sz="1100" dirty="0" smtClean="0">
+              <a:rPr lang="en-US" sz="1100" dirty="0">
                 <a:solidFill>
                   <a:srgbClr val="7030A0"/>
                 </a:solidFill>
@@ -5699,7 +5679,7 @@
           <a:p>
             <a:pPr algn="ctr"/>
             <a:r>
-              <a:rPr lang="en-US" sz="1100" dirty="0" smtClean="0">
+              <a:rPr lang="en-US" sz="1100" dirty="0">
                 <a:solidFill>
                   <a:srgbClr val="7030A0"/>
                 </a:solidFill>
@@ -5738,7 +5718,7 @@
           <a:p>
             <a:pPr algn="ctr"/>
             <a:r>
-              <a:rPr lang="en-US" sz="1100" dirty="0" smtClean="0">
+              <a:rPr lang="en-US" sz="1100" dirty="0">
                 <a:solidFill>
                   <a:srgbClr val="7030A0"/>
                 </a:solidFill>
@@ -5777,7 +5757,7 @@
           <a:p>
             <a:pPr algn="ctr"/>
             <a:r>
-              <a:rPr lang="en-US" sz="1100" dirty="0" smtClean="0">
+              <a:rPr lang="en-US" sz="1100" dirty="0">
                 <a:solidFill>
                   <a:srgbClr val="7030A0"/>
                 </a:solidFill>
@@ -5816,7 +5796,7 @@
           <a:p>
             <a:pPr algn="ctr"/>
             <a:r>
-              <a:rPr lang="en-US" sz="1100" dirty="0" smtClean="0">
+              <a:rPr lang="en-US" sz="1100" dirty="0">
                 <a:solidFill>
                   <a:srgbClr val="7030A0"/>
                 </a:solidFill>
@@ -5940,7 +5920,7 @@
           <a:p>
             <a:pPr algn="ctr"/>
             <a:r>
-              <a:rPr lang="en-US" sz="1100" dirty="0" smtClean="0">
+              <a:rPr lang="en-US" sz="1100" dirty="0">
                 <a:solidFill>
                   <a:srgbClr val="7030A0"/>
                 </a:solidFill>
@@ -5996,7 +5976,7 @@
           <a:p>
             <a:pPr algn="ctr"/>
             <a:r>
-              <a:rPr lang="en-US" sz="1050" dirty="0" smtClean="0">
+              <a:rPr lang="en-US" sz="1050" dirty="0">
                 <a:solidFill>
                   <a:srgbClr val="7030A0"/>
                 </a:solidFill>
@@ -6014,17 +5994,20 @@
       <p:cxnSp>
         <p:nvCxnSpPr>
           <p:cNvPr id="89" name="Elbow Connector 63"/>
-          <p:cNvCxnSpPr/>
+          <p:cNvCxnSpPr>
+            <a:cxnSpLocks/>
+            <a:endCxn id="90" idx="3"/>
+          </p:cNvCxnSpPr>
           <p:nvPr/>
         </p:nvCxnSpPr>
         <p:spPr>
-          <a:xfrm rot="16200000" flipH="1">
-            <a:off x="2995184" y="3967887"/>
-            <a:ext cx="293825" cy="1"/>
+          <a:xfrm>
+            <a:off x="3142096" y="3820975"/>
+            <a:ext cx="744105" cy="337471"/>
           </a:xfrm>
           <a:prstGeom prst="bentConnector3">
             <a:avLst>
-              <a:gd name="adj1" fmla="val 50000"/>
+              <a:gd name="adj1" fmla="val -2226"/>
             </a:avLst>
           </a:prstGeom>
           <a:ln w="19050">
@@ -6059,8 +6042,8 @@
           <p:nvPr/>
         </p:nvSpPr>
         <p:spPr>
-          <a:xfrm flipV="1">
-            <a:off x="3013349" y="4091677"/>
+          <a:xfrm rot="16200000" flipV="1">
+            <a:off x="3838710" y="4070684"/>
             <a:ext cx="270504" cy="175523"/>
           </a:xfrm>
           <a:prstGeom prst="triangle">
@@ -6108,7 +6091,7 @@
         </p:nvSpPr>
         <p:spPr>
           <a:xfrm>
-            <a:off x="2393311" y="4299370"/>
+            <a:off x="4098874" y="3962400"/>
             <a:ext cx="1539926" cy="346760"/>
           </a:xfrm>
           <a:prstGeom prst="rect">
@@ -6141,7 +6124,7 @@
           <a:p>
             <a:pPr algn="ctr"/>
             <a:r>
-              <a:rPr lang="en-US" sz="1050" dirty="0" smtClean="0">
+              <a:rPr lang="en-US" sz="1050" dirty="0">
                 <a:solidFill>
                   <a:srgbClr val="7030A0"/>
                 </a:solidFill>
@@ -6149,14 +6132,14 @@
               <a:t>&lt;&lt;interface&gt;&gt;</a:t>
             </a:r>
             <a:br>
-              <a:rPr lang="en-US" sz="1050" dirty="0" smtClean="0">
+              <a:rPr lang="en-US" sz="1050" dirty="0">
                 <a:solidFill>
                   <a:srgbClr val="7030A0"/>
                 </a:solidFill>
               </a:rPr>
             </a:br>
             <a:r>
-              <a:rPr lang="en-US" sz="1050" dirty="0" smtClean="0">
+              <a:rPr lang="en-US" sz="1050" dirty="0">
                 <a:solidFill>
                   <a:srgbClr val="7030A0"/>
                 </a:solidFill>
@@ -6297,7 +6280,7 @@
           <a:p>
             <a:pPr algn="ctr"/>
             <a:r>
-              <a:rPr lang="en-US" sz="1050" dirty="0" smtClean="0">
+              <a:rPr lang="en-US" sz="1050" dirty="0">
                 <a:solidFill>
                   <a:srgbClr val="7030A0"/>
                 </a:solidFill>
@@ -6381,7 +6364,7 @@
           <a:p>
             <a:pPr algn="ctr"/>
             <a:r>
-              <a:rPr lang="en-US" sz="1100" dirty="0" smtClean="0">
+              <a:rPr lang="en-US" sz="1100" dirty="0">
                 <a:solidFill>
                   <a:srgbClr val="7030A0"/>
                 </a:solidFill>
@@ -6437,7 +6420,7 @@
           <a:p>
             <a:pPr algn="ctr"/>
             <a:r>
-              <a:rPr lang="en-US" sz="1050" dirty="0" smtClean="0">
+              <a:rPr lang="en-US" sz="1050" dirty="0">
                 <a:solidFill>
                   <a:srgbClr val="7030A0"/>
                 </a:solidFill>
@@ -6503,14 +6486,15 @@
         <p:nvCxnSpPr>
           <p:cNvPr id="39" name="Straight Connector 38"/>
           <p:cNvCxnSpPr>
+            <a:cxnSpLocks/>
             <a:stCxn id="9" idx="3"/>
           </p:cNvCxnSpPr>
           <p:nvPr/>
         </p:nvCxnSpPr>
         <p:spPr>
           <a:xfrm flipV="1">
-            <a:off x="1957744" y="838991"/>
-            <a:ext cx="0" cy="934079"/>
+            <a:off x="1957744" y="838992"/>
+            <a:ext cx="0" cy="934078"/>
           </a:xfrm>
           <a:prstGeom prst="line">
             <a:avLst/>
@@ -6827,7 +6811,7 @@
           <a:p>
             <a:pPr algn="ctr"/>
             <a:r>
-              <a:rPr lang="en-US" sz="1050" dirty="0" smtClean="0">
+              <a:rPr lang="en-US" sz="1050" dirty="0">
                 <a:solidFill>
                   <a:srgbClr val="7030A0"/>
                 </a:solidFill>
@@ -6842,24 +6826,327 @@
           </a:p>
         </p:txBody>
       </p:sp>
-      <p:cxnSp>
-        <p:nvCxnSpPr>
-          <p:cNvPr id="133" name="Straight Connector 132"/>
-          <p:cNvCxnSpPr/>
-          <p:nvPr/>
-        </p:nvCxnSpPr>
-        <p:spPr>
-          <a:xfrm>
-            <a:off x="5611762" y="3657600"/>
-            <a:ext cx="108420" cy="0"/>
-          </a:xfrm>
-          <a:prstGeom prst="line">
+      <p:sp>
+        <p:nvSpPr>
+          <p:cNvPr id="143" name="Rectangle 8"/>
+          <p:cNvSpPr/>
+          <p:nvPr/>
+        </p:nvSpPr>
+        <p:spPr>
+          <a:xfrm>
+            <a:off x="7429857" y="4032808"/>
+            <a:ext cx="822877" cy="285783"/>
+          </a:xfrm>
+          <a:prstGeom prst="rect">
             <a:avLst/>
           </a:prstGeom>
           <a:ln w="19050">
             <a:solidFill>
               <a:srgbClr val="7030A0"/>
             </a:solidFill>
+          </a:ln>
+          <a:effectLst/>
+        </p:spPr>
+        <p:style>
+          <a:lnRef idx="1">
+            <a:schemeClr val="accent4"/>
+          </a:lnRef>
+          <a:fillRef idx="2">
+            <a:schemeClr val="accent4"/>
+          </a:fillRef>
+          <a:effectRef idx="1">
+            <a:schemeClr val="accent4"/>
+          </a:effectRef>
+          <a:fontRef idx="minor">
+            <a:schemeClr val="dk1"/>
+          </a:fontRef>
+        </p:style>
+        <p:txBody>
+          <a:bodyPr rtlCol="0" anchor="ctr"/>
+          <a:lstStyle/>
+          <a:p>
+            <a:pPr algn="ctr"/>
+            <a:r>
+              <a:rPr lang="en-US" sz="1050">
+                <a:solidFill>
+                  <a:srgbClr val="7030A0"/>
+                </a:solidFill>
+              </a:rPr>
+              <a:t>Description</a:t>
+            </a:r>
+            <a:endParaRPr lang="en-SG" sz="1050" dirty="0">
+              <a:solidFill>
+                <a:srgbClr val="7030A0"/>
+              </a:solidFill>
+            </a:endParaRPr>
+          </a:p>
+        </p:txBody>
+      </p:sp>
+      <p:sp>
+        <p:nvSpPr>
+          <p:cNvPr id="145" name="Rectangle 8"/>
+          <p:cNvSpPr/>
+          <p:nvPr/>
+        </p:nvSpPr>
+        <p:spPr>
+          <a:xfrm>
+            <a:off x="7430732" y="4367710"/>
+            <a:ext cx="708186" cy="285783"/>
+          </a:xfrm>
+          <a:prstGeom prst="rect">
+            <a:avLst/>
+          </a:prstGeom>
+          <a:ln w="19050">
+            <a:solidFill>
+              <a:srgbClr val="7030A0"/>
+            </a:solidFill>
+          </a:ln>
+          <a:effectLst/>
+        </p:spPr>
+        <p:style>
+          <a:lnRef idx="1">
+            <a:schemeClr val="accent4"/>
+          </a:lnRef>
+          <a:fillRef idx="2">
+            <a:schemeClr val="accent4"/>
+          </a:fillRef>
+          <a:effectRef idx="1">
+            <a:schemeClr val="accent4"/>
+          </a:effectRef>
+          <a:fontRef idx="minor">
+            <a:schemeClr val="dk1"/>
+          </a:fontRef>
+        </p:style>
+        <p:txBody>
+          <a:bodyPr rtlCol="0" anchor="ctr"/>
+          <a:lstStyle/>
+          <a:p>
+            <a:pPr algn="ctr"/>
+            <a:r>
+              <a:rPr lang="en-US" sz="1050" dirty="0">
+                <a:solidFill>
+                  <a:srgbClr val="7030A0"/>
+                </a:solidFill>
+              </a:rPr>
+              <a:t>Location</a:t>
+            </a:r>
+            <a:endParaRPr lang="en-SG" sz="1050" dirty="0">
+              <a:solidFill>
+                <a:srgbClr val="7030A0"/>
+              </a:solidFill>
+            </a:endParaRPr>
+          </a:p>
+        </p:txBody>
+      </p:sp>
+      <p:sp>
+        <p:nvSpPr>
+          <p:cNvPr id="146" name="Rectangle 8"/>
+          <p:cNvSpPr/>
+          <p:nvPr/>
+        </p:nvSpPr>
+        <p:spPr>
+          <a:xfrm>
+            <a:off x="7430732" y="4743417"/>
+            <a:ext cx="708186" cy="285783"/>
+          </a:xfrm>
+          <a:prstGeom prst="rect">
+            <a:avLst/>
+          </a:prstGeom>
+          <a:ln w="19050">
+            <a:solidFill>
+              <a:srgbClr val="7030A0"/>
+            </a:solidFill>
+          </a:ln>
+          <a:effectLst/>
+        </p:spPr>
+        <p:style>
+          <a:lnRef idx="1">
+            <a:schemeClr val="accent4"/>
+          </a:lnRef>
+          <a:fillRef idx="2">
+            <a:schemeClr val="accent4"/>
+          </a:fillRef>
+          <a:effectRef idx="1">
+            <a:schemeClr val="accent4"/>
+          </a:effectRef>
+          <a:fontRef idx="minor">
+            <a:schemeClr val="dk1"/>
+          </a:fontRef>
+        </p:style>
+        <p:txBody>
+          <a:bodyPr rtlCol="0" anchor="ctr"/>
+          <a:lstStyle/>
+          <a:p>
+            <a:pPr algn="ctr"/>
+            <a:r>
+              <a:rPr lang="en-US" sz="1050" dirty="0">
+                <a:solidFill>
+                  <a:srgbClr val="7030A0"/>
+                </a:solidFill>
+              </a:rPr>
+              <a:t>Datetime</a:t>
+            </a:r>
+            <a:endParaRPr lang="en-SG" sz="1050" dirty="0">
+              <a:solidFill>
+                <a:srgbClr val="7030A0"/>
+              </a:solidFill>
+            </a:endParaRPr>
+          </a:p>
+        </p:txBody>
+      </p:sp>
+      <p:sp>
+        <p:nvSpPr>
+          <p:cNvPr id="156" name="TextBox 155"/>
+          <p:cNvSpPr txBox="1"/>
+          <p:nvPr/>
+        </p:nvSpPr>
+        <p:spPr>
+          <a:xfrm>
+            <a:off x="6075562" y="4032808"/>
+            <a:ext cx="189257" cy="178683"/>
+          </a:xfrm>
+          <a:prstGeom prst="rect">
+            <a:avLst/>
+          </a:prstGeom>
+          <a:noFill/>
+        </p:spPr>
+        <p:txBody>
+          <a:bodyPr wrap="square" lIns="0" tIns="0" rIns="0" bIns="0" rtlCol="0">
+            <a:noAutofit/>
+          </a:bodyPr>
+          <a:lstStyle/>
+          <a:p>
+            <a:pPr algn="ctr"/>
+            <a:r>
+              <a:rPr lang="en-US" sz="1100" dirty="0">
+                <a:solidFill>
+                  <a:srgbClr val="7030A0"/>
+                </a:solidFill>
+              </a:rPr>
+              <a:t>1</a:t>
+            </a:r>
+            <a:endParaRPr lang="en-SG" sz="1100" dirty="0">
+              <a:solidFill>
+                <a:srgbClr val="7030A0"/>
+              </a:solidFill>
+            </a:endParaRPr>
+          </a:p>
+        </p:txBody>
+      </p:sp>
+      <p:sp>
+        <p:nvSpPr>
+          <p:cNvPr id="157" name="TextBox 156"/>
+          <p:cNvSpPr txBox="1"/>
+          <p:nvPr/>
+        </p:nvSpPr>
+        <p:spPr>
+          <a:xfrm rot="16200000">
+            <a:off x="5693304" y="4476069"/>
+            <a:ext cx="881018" cy="261610"/>
+          </a:xfrm>
+          <a:prstGeom prst="rect">
+            <a:avLst/>
+          </a:prstGeom>
+          <a:noFill/>
+        </p:spPr>
+        <p:txBody>
+          <a:bodyPr wrap="square" rtlCol="0">
+            <a:spAutoFit/>
+          </a:bodyPr>
+          <a:lstStyle/>
+          <a:p>
+            <a:pPr algn="r"/>
+            <a:r>
+              <a:rPr lang="en-US" sz="1100" dirty="0">
+                <a:solidFill>
+                  <a:srgbClr val="7030A0"/>
+                </a:solidFill>
+              </a:rPr>
+              <a:t>filtered list</a:t>
+            </a:r>
+            <a:endParaRPr lang="en-SG" sz="1100" dirty="0">
+              <a:solidFill>
+                <a:srgbClr val="7030A0"/>
+              </a:solidFill>
+            </a:endParaRPr>
+          </a:p>
+        </p:txBody>
+      </p:sp>
+      <p:sp>
+        <p:nvSpPr>
+          <p:cNvPr id="96" name="Rectangle 8"/>
+          <p:cNvSpPr/>
+          <p:nvPr/>
+        </p:nvSpPr>
+        <p:spPr>
+          <a:xfrm>
+            <a:off x="8123609" y="1600200"/>
+            <a:ext cx="708186" cy="285783"/>
+          </a:xfrm>
+          <a:prstGeom prst="rect">
+            <a:avLst/>
+          </a:prstGeom>
+          <a:ln w="19050">
+            <a:solidFill>
+              <a:srgbClr val="7030A0"/>
+            </a:solidFill>
+          </a:ln>
+          <a:effectLst/>
+        </p:spPr>
+        <p:style>
+          <a:lnRef idx="1">
+            <a:schemeClr val="accent4"/>
+          </a:lnRef>
+          <a:fillRef idx="2">
+            <a:schemeClr val="accent4"/>
+          </a:fillRef>
+          <a:effectRef idx="1">
+            <a:schemeClr val="accent4"/>
+          </a:effectRef>
+          <a:fontRef idx="minor">
+            <a:schemeClr val="dk1"/>
+          </a:fontRef>
+        </p:style>
+        <p:txBody>
+          <a:bodyPr rtlCol="0" anchor="ctr"/>
+          <a:lstStyle/>
+          <a:p>
+            <a:pPr algn="ctr"/>
+            <a:r>
+              <a:rPr lang="en-US" sz="1050" dirty="0">
+                <a:solidFill>
+                  <a:srgbClr val="7030A0"/>
+                </a:solidFill>
+              </a:rPr>
+              <a:t>Email</a:t>
+            </a:r>
+            <a:endParaRPr lang="en-SG" sz="1050" dirty="0">
+              <a:solidFill>
+                <a:srgbClr val="7030A0"/>
+              </a:solidFill>
+            </a:endParaRPr>
+          </a:p>
+        </p:txBody>
+      </p:sp>
+      <p:cxnSp>
+        <p:nvCxnSpPr>
+          <p:cNvPr id="106" name="Straight Connector 105"/>
+          <p:cNvCxnSpPr/>
+          <p:nvPr/>
+        </p:nvCxnSpPr>
+        <p:spPr>
+          <a:xfrm>
+            <a:off x="7917078" y="2133599"/>
+            <a:ext cx="203955" cy="1"/>
+          </a:xfrm>
+          <a:prstGeom prst="line">
+            <a:avLst/>
+          </a:prstGeom>
+          <a:ln w="19050">
+            <a:solidFill>
+              <a:srgbClr val="7030A0"/>
+            </a:solidFill>
+            <a:tailEnd type="arrow"/>
           </a:ln>
         </p:spPr>
         <p:style>
@@ -6877,16 +7164,112 @@
           </a:fontRef>
         </p:style>
       </p:cxnSp>
+      <p:sp>
+        <p:nvSpPr>
+          <p:cNvPr id="107" name="Rectangle 8"/>
+          <p:cNvSpPr/>
+          <p:nvPr/>
+        </p:nvSpPr>
+        <p:spPr>
+          <a:xfrm>
+            <a:off x="8121033" y="1981200"/>
+            <a:ext cx="708186" cy="285783"/>
+          </a:xfrm>
+          <a:prstGeom prst="rect">
+            <a:avLst/>
+          </a:prstGeom>
+          <a:ln w="19050">
+            <a:solidFill>
+              <a:srgbClr val="7030A0"/>
+            </a:solidFill>
+          </a:ln>
+          <a:effectLst/>
+        </p:spPr>
+        <p:style>
+          <a:lnRef idx="1">
+            <a:schemeClr val="accent4"/>
+          </a:lnRef>
+          <a:fillRef idx="2">
+            <a:schemeClr val="accent4"/>
+          </a:fillRef>
+          <a:effectRef idx="1">
+            <a:schemeClr val="accent4"/>
+          </a:effectRef>
+          <a:fontRef idx="minor">
+            <a:schemeClr val="dk1"/>
+          </a:fontRef>
+        </p:style>
+        <p:txBody>
+          <a:bodyPr rtlCol="0" anchor="ctr"/>
+          <a:lstStyle/>
+          <a:p>
+            <a:pPr algn="ctr"/>
+            <a:r>
+              <a:rPr lang="en-US" sz="1050" dirty="0">
+                <a:solidFill>
+                  <a:srgbClr val="7030A0"/>
+                </a:solidFill>
+              </a:rPr>
+              <a:t>Address</a:t>
+            </a:r>
+            <a:endParaRPr lang="en-SG" sz="1050" dirty="0">
+              <a:solidFill>
+                <a:srgbClr val="7030A0"/>
+              </a:solidFill>
+            </a:endParaRPr>
+          </a:p>
+        </p:txBody>
+      </p:sp>
       <p:cxnSp>
         <p:nvCxnSpPr>
-          <p:cNvPr id="137" name="Straight Connector 136"/>
+          <p:cNvPr id="104" name="Elbow Connector 103"/>
           <p:cNvCxnSpPr/>
           <p:nvPr/>
         </p:nvCxnSpPr>
         <p:spPr>
-          <a:xfrm flipV="1">
-            <a:off x="5720182" y="3650766"/>
-            <a:ext cx="0" cy="172798"/>
+          <a:xfrm>
+            <a:off x="6996330" y="2438400"/>
+            <a:ext cx="1124934" cy="812496"/>
+          </a:xfrm>
+          <a:prstGeom prst="bentConnector3">
+            <a:avLst>
+              <a:gd name="adj1" fmla="val 80592"/>
+            </a:avLst>
+          </a:prstGeom>
+          <a:ln w="19050">
+            <a:solidFill>
+              <a:srgbClr val="7030A0"/>
+            </a:solidFill>
+            <a:headEnd type="none" w="med" len="med"/>
+            <a:tailEnd type="arrow" w="med" len="med"/>
+          </a:ln>
+          <a:effectLst/>
+        </p:spPr>
+        <p:style>
+          <a:lnRef idx="1">
+            <a:schemeClr val="accent2"/>
+          </a:lnRef>
+          <a:fillRef idx="2">
+            <a:schemeClr val="accent2"/>
+          </a:fillRef>
+          <a:effectRef idx="1">
+            <a:schemeClr val="accent2"/>
+          </a:effectRef>
+          <a:fontRef idx="minor">
+            <a:schemeClr val="dk1"/>
+          </a:fontRef>
+        </p:style>
+      </p:cxnSp>
+      <p:cxnSp>
+        <p:nvCxnSpPr>
+          <p:cNvPr id="108" name="Straight Connector 107"/>
+          <p:cNvCxnSpPr/>
+          <p:nvPr/>
+        </p:nvCxnSpPr>
+        <p:spPr>
+          <a:xfrm flipH="1" flipV="1">
+            <a:off x="6750954" y="3962400"/>
+            <a:ext cx="9328" cy="216569"/>
           </a:xfrm>
           <a:prstGeom prst="line">
             <a:avLst/>
@@ -6912,52 +7295,16 @@
           </a:fontRef>
         </p:style>
       </p:cxnSp>
-      <p:cxnSp>
-        <p:nvCxnSpPr>
-          <p:cNvPr id="139" name="Straight Connector 138"/>
-          <p:cNvCxnSpPr/>
-          <p:nvPr/>
-        </p:nvCxnSpPr>
-        <p:spPr>
-          <a:xfrm>
-            <a:off x="5720182" y="3823563"/>
-            <a:ext cx="186386" cy="0"/>
-          </a:xfrm>
-          <a:prstGeom prst="line">
-            <a:avLst/>
-          </a:prstGeom>
-          <a:ln w="19050">
-            <a:solidFill>
-              <a:srgbClr val="7030A0"/>
-            </a:solidFill>
-            <a:tailEnd type="arrow"/>
-          </a:ln>
-        </p:spPr>
-        <p:style>
-          <a:lnRef idx="1">
-            <a:schemeClr val="accent1"/>
-          </a:lnRef>
-          <a:fillRef idx="0">
-            <a:schemeClr val="accent1"/>
-          </a:fillRef>
-          <a:effectRef idx="0">
-            <a:schemeClr val="accent1"/>
-          </a:effectRef>
-          <a:fontRef idx="minor">
-            <a:schemeClr val="tx1"/>
-          </a:fontRef>
-        </p:style>
-      </p:cxnSp>
-      <p:sp>
-        <p:nvSpPr>
-          <p:cNvPr id="143" name="Rectangle 8"/>
+      <p:sp>
+        <p:nvSpPr>
+          <p:cNvPr id="115" name="Rectangle 8"/>
           <p:cNvSpPr/>
           <p:nvPr/>
         </p:nvSpPr>
         <p:spPr>
           <a:xfrm>
-            <a:off x="7429857" y="4032808"/>
-            <a:ext cx="822877" cy="285783"/>
+            <a:off x="4195068" y="2802696"/>
+            <a:ext cx="1156969" cy="346760"/>
           </a:xfrm>
           <a:prstGeom prst="rect">
             <a:avLst/>
@@ -6989,12 +7336,12 @@
           <a:p>
             <a:pPr algn="ctr"/>
             <a:r>
-              <a:rPr lang="en-US" sz="1050" smtClean="0">
+              <a:rPr lang="en-US" sz="1050" dirty="0">
                 <a:solidFill>
                   <a:srgbClr val="7030A0"/>
                 </a:solidFill>
               </a:rPr>
-              <a:t>Description</a:t>
+              <a:t>UniqueGroupList</a:t>
             </a:r>
             <a:endParaRPr lang="en-SG" sz="1050" dirty="0">
               <a:solidFill>
@@ -7004,465 +7351,22 @@
           </a:p>
         </p:txBody>
       </p:sp>
-      <p:sp>
-        <p:nvSpPr>
-          <p:cNvPr id="145" name="Rectangle 8"/>
-          <p:cNvSpPr/>
-          <p:nvPr/>
-        </p:nvSpPr>
-        <p:spPr>
-          <a:xfrm>
-            <a:off x="7430732" y="4367710"/>
-            <a:ext cx="708186" cy="285783"/>
-          </a:xfrm>
-          <a:prstGeom prst="rect">
-            <a:avLst/>
-          </a:prstGeom>
-          <a:ln w="19050">
-            <a:solidFill>
-              <a:srgbClr val="7030A0"/>
-            </a:solidFill>
-          </a:ln>
-          <a:effectLst/>
-        </p:spPr>
-        <p:style>
-          <a:lnRef idx="1">
-            <a:schemeClr val="accent4"/>
-          </a:lnRef>
-          <a:fillRef idx="2">
-            <a:schemeClr val="accent4"/>
-          </a:fillRef>
-          <a:effectRef idx="1">
-            <a:schemeClr val="accent4"/>
-          </a:effectRef>
-          <a:fontRef idx="minor">
-            <a:schemeClr val="dk1"/>
-          </a:fontRef>
-        </p:style>
-        <p:txBody>
-          <a:bodyPr rtlCol="0" anchor="ctr"/>
-          <a:lstStyle/>
-          <a:p>
-            <a:pPr algn="ctr"/>
-            <a:r>
-              <a:rPr lang="en-US" sz="1050" dirty="0" smtClean="0">
-                <a:solidFill>
-                  <a:srgbClr val="7030A0"/>
-                </a:solidFill>
-              </a:rPr>
-              <a:t>Location</a:t>
-            </a:r>
-            <a:endParaRPr lang="en-SG" sz="1050" dirty="0">
-              <a:solidFill>
-                <a:srgbClr val="7030A0"/>
-              </a:solidFill>
-            </a:endParaRPr>
-          </a:p>
-        </p:txBody>
-      </p:sp>
-      <p:sp>
-        <p:nvSpPr>
-          <p:cNvPr id="146" name="Rectangle 8"/>
-          <p:cNvSpPr/>
-          <p:nvPr/>
-        </p:nvSpPr>
-        <p:spPr>
-          <a:xfrm>
-            <a:off x="7430732" y="4743417"/>
-            <a:ext cx="708186" cy="285783"/>
-          </a:xfrm>
-          <a:prstGeom prst="rect">
-            <a:avLst/>
-          </a:prstGeom>
-          <a:ln w="19050">
-            <a:solidFill>
-              <a:srgbClr val="7030A0"/>
-            </a:solidFill>
-          </a:ln>
-          <a:effectLst/>
-        </p:spPr>
-        <p:style>
-          <a:lnRef idx="1">
-            <a:schemeClr val="accent4"/>
-          </a:lnRef>
-          <a:fillRef idx="2">
-            <a:schemeClr val="accent4"/>
-          </a:fillRef>
-          <a:effectRef idx="1">
-            <a:schemeClr val="accent4"/>
-          </a:effectRef>
-          <a:fontRef idx="minor">
-            <a:schemeClr val="dk1"/>
-          </a:fontRef>
-        </p:style>
-        <p:txBody>
-          <a:bodyPr rtlCol="0" anchor="ctr"/>
-          <a:lstStyle/>
-          <a:p>
-            <a:pPr algn="ctr"/>
-            <a:r>
-              <a:rPr lang="en-US" sz="1050" dirty="0" smtClean="0">
-                <a:solidFill>
-                  <a:srgbClr val="7030A0"/>
-                </a:solidFill>
-              </a:rPr>
-              <a:t>Datetime</a:t>
-            </a:r>
-            <a:endParaRPr lang="en-SG" sz="1050" dirty="0">
-              <a:solidFill>
-                <a:srgbClr val="7030A0"/>
-              </a:solidFill>
-            </a:endParaRPr>
-          </a:p>
-        </p:txBody>
-      </p:sp>
       <p:cxnSp>
         <p:nvCxnSpPr>
-          <p:cNvPr id="149" name="Straight Connector 148"/>
-          <p:cNvCxnSpPr/>
+          <p:cNvPr id="117" name="Elbow Connector 116"/>
+          <p:cNvCxnSpPr>
+            <a:stCxn id="51" idx="3"/>
+            <a:endCxn id="115" idx="1"/>
+          </p:cNvCxnSpPr>
           <p:nvPr/>
         </p:nvCxnSpPr>
         <p:spPr>
-          <a:xfrm flipV="1">
-            <a:off x="1957744" y="3733713"/>
-            <a:ext cx="0" cy="1067677"/>
-          </a:xfrm>
-          <a:prstGeom prst="line">
-            <a:avLst/>
-          </a:prstGeom>
-          <a:ln w="19050">
-            <a:solidFill>
-              <a:srgbClr val="7030A0"/>
-            </a:solidFill>
-          </a:ln>
-        </p:spPr>
-        <p:style>
-          <a:lnRef idx="1">
-            <a:schemeClr val="accent1"/>
-          </a:lnRef>
-          <a:fillRef idx="0">
-            <a:schemeClr val="accent1"/>
-          </a:fillRef>
-          <a:effectRef idx="0">
-            <a:schemeClr val="accent1"/>
-          </a:effectRef>
-          <a:fontRef idx="minor">
-            <a:schemeClr val="tx1"/>
-          </a:fontRef>
-        </p:style>
-      </p:cxnSp>
-      <p:cxnSp>
-        <p:nvCxnSpPr>
-          <p:cNvPr id="152" name="Straight Connector 151"/>
-          <p:cNvCxnSpPr/>
-          <p:nvPr/>
-        </p:nvCxnSpPr>
-        <p:spPr>
-          <a:xfrm>
-            <a:off x="1957744" y="4801390"/>
-            <a:ext cx="4332976" cy="0"/>
-          </a:xfrm>
-          <a:prstGeom prst="line">
-            <a:avLst/>
-          </a:prstGeom>
-          <a:ln w="19050">
-            <a:solidFill>
-              <a:srgbClr val="7030A0"/>
-            </a:solidFill>
-          </a:ln>
-        </p:spPr>
-        <p:style>
-          <a:lnRef idx="1">
-            <a:schemeClr val="accent1"/>
-          </a:lnRef>
-          <a:fillRef idx="0">
-            <a:schemeClr val="accent1"/>
-          </a:fillRef>
-          <a:effectRef idx="0">
-            <a:schemeClr val="accent1"/>
-          </a:effectRef>
-          <a:fontRef idx="minor">
-            <a:schemeClr val="tx1"/>
-          </a:fontRef>
-        </p:style>
-      </p:cxnSp>
-      <p:cxnSp>
-        <p:nvCxnSpPr>
-          <p:cNvPr id="154" name="Straight Connector 153"/>
-          <p:cNvCxnSpPr/>
-          <p:nvPr/>
-        </p:nvCxnSpPr>
-        <p:spPr>
-          <a:xfrm flipV="1">
-            <a:off x="6280292" y="4014150"/>
-            <a:ext cx="0" cy="787240"/>
-          </a:xfrm>
-          <a:prstGeom prst="line">
-            <a:avLst/>
-          </a:prstGeom>
-          <a:ln w="19050">
-            <a:solidFill>
-              <a:srgbClr val="7030A0"/>
-            </a:solidFill>
-            <a:tailEnd type="arrow"/>
-          </a:ln>
-        </p:spPr>
-        <p:style>
-          <a:lnRef idx="1">
-            <a:schemeClr val="accent1"/>
-          </a:lnRef>
-          <a:fillRef idx="0">
-            <a:schemeClr val="accent1"/>
-          </a:fillRef>
-          <a:effectRef idx="0">
-            <a:schemeClr val="accent1"/>
-          </a:effectRef>
-          <a:fontRef idx="minor">
-            <a:schemeClr val="tx1"/>
-          </a:fontRef>
-        </p:style>
-      </p:cxnSp>
-      <p:sp>
-        <p:nvSpPr>
-          <p:cNvPr id="156" name="TextBox 155"/>
-          <p:cNvSpPr txBox="1"/>
-          <p:nvPr/>
-        </p:nvSpPr>
-        <p:spPr>
-          <a:xfrm>
-            <a:off x="6311793" y="4045333"/>
-            <a:ext cx="189257" cy="178683"/>
-          </a:xfrm>
-          <a:prstGeom prst="rect">
-            <a:avLst/>
-          </a:prstGeom>
-          <a:noFill/>
-        </p:spPr>
-        <p:txBody>
-          <a:bodyPr wrap="square" lIns="0" tIns="0" rIns="0" bIns="0" rtlCol="0">
-            <a:noAutofit/>
-          </a:bodyPr>
-          <a:lstStyle/>
-          <a:p>
-            <a:pPr algn="ctr"/>
-            <a:r>
-              <a:rPr lang="en-US" sz="1100" dirty="0" smtClean="0">
-                <a:solidFill>
-                  <a:srgbClr val="7030A0"/>
-                </a:solidFill>
-              </a:rPr>
-              <a:t>1</a:t>
-            </a:r>
-            <a:endParaRPr lang="en-SG" sz="1100" dirty="0">
-              <a:solidFill>
-                <a:srgbClr val="7030A0"/>
-              </a:solidFill>
-            </a:endParaRPr>
-          </a:p>
-        </p:txBody>
-      </p:sp>
-      <p:sp>
-        <p:nvSpPr>
-          <p:cNvPr id="157" name="TextBox 156"/>
-          <p:cNvSpPr txBox="1"/>
-          <p:nvPr/>
-        </p:nvSpPr>
-        <p:spPr>
-          <a:xfrm rot="16200000">
-            <a:off x="5965912" y="4533720"/>
-            <a:ext cx="881018" cy="261610"/>
-          </a:xfrm>
-          <a:prstGeom prst="rect">
-            <a:avLst/>
-          </a:prstGeom>
-          <a:noFill/>
-        </p:spPr>
-        <p:txBody>
-          <a:bodyPr wrap="square" rtlCol="0">
-            <a:spAutoFit/>
-          </a:bodyPr>
-          <a:lstStyle/>
-          <a:p>
-            <a:pPr algn="r"/>
-            <a:r>
-              <a:rPr lang="en-US" sz="1100" dirty="0" smtClean="0">
-                <a:solidFill>
-                  <a:srgbClr val="7030A0"/>
-                </a:solidFill>
-              </a:rPr>
-              <a:t>filtered list</a:t>
-            </a:r>
-            <a:endParaRPr lang="en-SG" sz="1100" dirty="0">
-              <a:solidFill>
-                <a:srgbClr val="7030A0"/>
-              </a:solidFill>
-            </a:endParaRPr>
-          </a:p>
-        </p:txBody>
-      </p:sp>
-      <p:sp>
-        <p:nvSpPr>
-          <p:cNvPr id="96" name="Rectangle 8"/>
-          <p:cNvSpPr/>
-          <p:nvPr/>
-        </p:nvSpPr>
-        <p:spPr>
-          <a:xfrm>
-            <a:off x="8123609" y="1600200"/>
-            <a:ext cx="708186" cy="285783"/>
-          </a:xfrm>
-          <a:prstGeom prst="rect">
-            <a:avLst/>
-          </a:prstGeom>
-          <a:ln w="19050">
-            <a:solidFill>
-              <a:srgbClr val="7030A0"/>
-            </a:solidFill>
-          </a:ln>
-          <a:effectLst/>
-        </p:spPr>
-        <p:style>
-          <a:lnRef idx="1">
-            <a:schemeClr val="accent4"/>
-          </a:lnRef>
-          <a:fillRef idx="2">
-            <a:schemeClr val="accent4"/>
-          </a:fillRef>
-          <a:effectRef idx="1">
-            <a:schemeClr val="accent4"/>
-          </a:effectRef>
-          <a:fontRef idx="minor">
-            <a:schemeClr val="dk1"/>
-          </a:fontRef>
-        </p:style>
-        <p:txBody>
-          <a:bodyPr rtlCol="0" anchor="ctr"/>
-          <a:lstStyle/>
-          <a:p>
-            <a:pPr algn="ctr"/>
-            <a:r>
-              <a:rPr lang="en-US" sz="1050" dirty="0" smtClean="0">
-                <a:solidFill>
-                  <a:srgbClr val="7030A0"/>
-                </a:solidFill>
-              </a:rPr>
-              <a:t>Email</a:t>
-            </a:r>
-            <a:endParaRPr lang="en-SG" sz="1050" dirty="0">
-              <a:solidFill>
-                <a:srgbClr val="7030A0"/>
-              </a:solidFill>
-            </a:endParaRPr>
-          </a:p>
-        </p:txBody>
-      </p:sp>
-      <p:cxnSp>
-        <p:nvCxnSpPr>
-          <p:cNvPr id="106" name="Straight Connector 105"/>
-          <p:cNvCxnSpPr/>
-          <p:nvPr/>
-        </p:nvCxnSpPr>
-        <p:spPr>
-          <a:xfrm>
-            <a:off x="7917078" y="2133599"/>
-            <a:ext cx="203955" cy="1"/>
-          </a:xfrm>
-          <a:prstGeom prst="line">
-            <a:avLst/>
-          </a:prstGeom>
-          <a:ln w="19050">
-            <a:solidFill>
-              <a:srgbClr val="7030A0"/>
-            </a:solidFill>
-            <a:tailEnd type="arrow"/>
-          </a:ln>
-        </p:spPr>
-        <p:style>
-          <a:lnRef idx="1">
-            <a:schemeClr val="accent1"/>
-          </a:lnRef>
-          <a:fillRef idx="0">
-            <a:schemeClr val="accent1"/>
-          </a:fillRef>
-          <a:effectRef idx="0">
-            <a:schemeClr val="accent1"/>
-          </a:effectRef>
-          <a:fontRef idx="minor">
-            <a:schemeClr val="tx1"/>
-          </a:fontRef>
-        </p:style>
-      </p:cxnSp>
-      <p:sp>
-        <p:nvSpPr>
-          <p:cNvPr id="107" name="Rectangle 8"/>
-          <p:cNvSpPr/>
-          <p:nvPr/>
-        </p:nvSpPr>
-        <p:spPr>
-          <a:xfrm>
-            <a:off x="8121033" y="1981200"/>
-            <a:ext cx="708186" cy="285783"/>
-          </a:xfrm>
-          <a:prstGeom prst="rect">
-            <a:avLst/>
-          </a:prstGeom>
-          <a:ln w="19050">
-            <a:solidFill>
-              <a:srgbClr val="7030A0"/>
-            </a:solidFill>
-          </a:ln>
-          <a:effectLst/>
-        </p:spPr>
-        <p:style>
-          <a:lnRef idx="1">
-            <a:schemeClr val="accent4"/>
-          </a:lnRef>
-          <a:fillRef idx="2">
-            <a:schemeClr val="accent4"/>
-          </a:fillRef>
-          <a:effectRef idx="1">
-            <a:schemeClr val="accent4"/>
-          </a:effectRef>
-          <a:fontRef idx="minor">
-            <a:schemeClr val="dk1"/>
-          </a:fontRef>
-        </p:style>
-        <p:txBody>
-          <a:bodyPr rtlCol="0" anchor="ctr"/>
-          <a:lstStyle/>
-          <a:p>
-            <a:pPr algn="ctr"/>
-            <a:r>
-              <a:rPr lang="en-US" sz="1050" dirty="0" smtClean="0">
-                <a:solidFill>
-                  <a:srgbClr val="7030A0"/>
-                </a:solidFill>
-              </a:rPr>
-              <a:t>Address</a:t>
-            </a:r>
-            <a:endParaRPr lang="en-SG" sz="1050" dirty="0">
-              <a:solidFill>
-                <a:srgbClr val="7030A0"/>
-              </a:solidFill>
-            </a:endParaRPr>
-          </a:p>
-        </p:txBody>
-      </p:sp>
-      <p:cxnSp>
-        <p:nvCxnSpPr>
-          <p:cNvPr id="104" name="Elbow Connector 103"/>
-          <p:cNvCxnSpPr/>
-          <p:nvPr/>
-        </p:nvCxnSpPr>
-        <p:spPr>
-          <a:xfrm>
-            <a:off x="6996330" y="2438400"/>
-            <a:ext cx="1124934" cy="812496"/>
+          <a:xfrm>
+            <a:off x="3938686" y="2228071"/>
+            <a:ext cx="256382" cy="748005"/>
           </a:xfrm>
           <a:prstGeom prst="bentConnector3">
-            <a:avLst>
-              <a:gd name="adj1" fmla="val 80592"/>
-            </a:avLst>
+            <a:avLst/>
           </a:prstGeom>
           <a:ln w="19050">
             <a:solidFill>
@@ -7488,51 +7392,55 @@
           </a:fontRef>
         </p:style>
       </p:cxnSp>
-      <p:cxnSp>
-        <p:nvCxnSpPr>
-          <p:cNvPr id="108" name="Straight Connector 107"/>
-          <p:cNvCxnSpPr/>
-          <p:nvPr/>
-        </p:nvCxnSpPr>
-        <p:spPr>
-          <a:xfrm flipH="1" flipV="1">
-            <a:off x="6750954" y="3962400"/>
-            <a:ext cx="9328" cy="216569"/>
-          </a:xfrm>
-          <a:prstGeom prst="line">
-            <a:avLst/>
-          </a:prstGeom>
-          <a:ln w="19050">
-            <a:solidFill>
-              <a:srgbClr val="7030A0"/>
-            </a:solidFill>
-          </a:ln>
-        </p:spPr>
-        <p:style>
-          <a:lnRef idx="1">
-            <a:schemeClr val="accent1"/>
-          </a:lnRef>
-          <a:fillRef idx="0">
-            <a:schemeClr val="accent1"/>
-          </a:fillRef>
-          <a:effectRef idx="0">
-            <a:schemeClr val="accent1"/>
-          </a:effectRef>
-          <a:fontRef idx="minor">
-            <a:schemeClr val="tx1"/>
-          </a:fontRef>
-        </p:style>
-      </p:cxnSp>
-      <p:sp>
-        <p:nvSpPr>
-          <p:cNvPr id="115" name="Rectangle 8"/>
+      <p:sp>
+        <p:nvSpPr>
+          <p:cNvPr id="129" name="TextBox 128"/>
+          <p:cNvSpPr txBox="1"/>
+          <p:nvPr/>
+        </p:nvSpPr>
+        <p:spPr>
+          <a:xfrm>
+            <a:off x="3999393" y="3072657"/>
+            <a:ext cx="189257" cy="178683"/>
+          </a:xfrm>
+          <a:prstGeom prst="rect">
+            <a:avLst/>
+          </a:prstGeom>
+          <a:noFill/>
+        </p:spPr>
+        <p:txBody>
+          <a:bodyPr wrap="square" lIns="0" tIns="0" rIns="0" bIns="0" rtlCol="0">
+            <a:noAutofit/>
+          </a:bodyPr>
+          <a:lstStyle/>
+          <a:p>
+            <a:pPr algn="ctr"/>
+            <a:r>
+              <a:rPr lang="en-US" sz="1100" dirty="0">
+                <a:solidFill>
+                  <a:srgbClr val="7030A0"/>
+                </a:solidFill>
+              </a:rPr>
+              <a:t>1</a:t>
+            </a:r>
+            <a:endParaRPr lang="en-SG" sz="1100" dirty="0">
+              <a:solidFill>
+                <a:srgbClr val="7030A0"/>
+              </a:solidFill>
+            </a:endParaRPr>
+          </a:p>
+        </p:txBody>
+      </p:sp>
+      <p:sp>
+        <p:nvSpPr>
+          <p:cNvPr id="134" name="Rectangle 8"/>
           <p:cNvSpPr/>
           <p:nvPr/>
         </p:nvSpPr>
         <p:spPr>
           <a:xfrm>
-            <a:off x="4195068" y="2802696"/>
-            <a:ext cx="1156969" cy="346760"/>
+            <a:off x="8121264" y="3125264"/>
+            <a:ext cx="697798" cy="377567"/>
           </a:xfrm>
           <a:prstGeom prst="rect">
             <a:avLst/>
@@ -7564,143 +7472,7 @@
           <a:p>
             <a:pPr algn="ctr"/>
             <a:r>
-              <a:rPr lang="en-US" sz="1050" dirty="0" smtClean="0">
-                <a:solidFill>
-                  <a:srgbClr val="7030A0"/>
-                </a:solidFill>
-              </a:rPr>
-              <a:t>UniqueGroupList</a:t>
-            </a:r>
-            <a:endParaRPr lang="en-SG" sz="1050" dirty="0">
-              <a:solidFill>
-                <a:srgbClr val="7030A0"/>
-              </a:solidFill>
-            </a:endParaRPr>
-          </a:p>
-        </p:txBody>
-      </p:sp>
-      <p:cxnSp>
-        <p:nvCxnSpPr>
-          <p:cNvPr id="117" name="Elbow Connector 116"/>
-          <p:cNvCxnSpPr>
-            <a:stCxn id="51" idx="3"/>
-            <a:endCxn id="115" idx="1"/>
-          </p:cNvCxnSpPr>
-          <p:nvPr/>
-        </p:nvCxnSpPr>
-        <p:spPr>
-          <a:xfrm>
-            <a:off x="3938686" y="2228071"/>
-            <a:ext cx="256382" cy="748005"/>
-          </a:xfrm>
-          <a:prstGeom prst="bentConnector3">
-            <a:avLst/>
-          </a:prstGeom>
-          <a:ln w="19050">
-            <a:solidFill>
-              <a:srgbClr val="7030A0"/>
-            </a:solidFill>
-            <a:headEnd type="none" w="med" len="med"/>
-            <a:tailEnd type="arrow" w="med" len="med"/>
-          </a:ln>
-          <a:effectLst/>
-        </p:spPr>
-        <p:style>
-          <a:lnRef idx="1">
-            <a:schemeClr val="accent2"/>
-          </a:lnRef>
-          <a:fillRef idx="2">
-            <a:schemeClr val="accent2"/>
-          </a:fillRef>
-          <a:effectRef idx="1">
-            <a:schemeClr val="accent2"/>
-          </a:effectRef>
-          <a:fontRef idx="minor">
-            <a:schemeClr val="dk1"/>
-          </a:fontRef>
-        </p:style>
-      </p:cxnSp>
-      <p:sp>
-        <p:nvSpPr>
-          <p:cNvPr id="129" name="TextBox 128"/>
-          <p:cNvSpPr txBox="1"/>
-          <p:nvPr/>
-        </p:nvSpPr>
-        <p:spPr>
-          <a:xfrm>
-            <a:off x="3999393" y="3072657"/>
-            <a:ext cx="189257" cy="178683"/>
-          </a:xfrm>
-          <a:prstGeom prst="rect">
-            <a:avLst/>
-          </a:prstGeom>
-          <a:noFill/>
-        </p:spPr>
-        <p:txBody>
-          <a:bodyPr wrap="square" lIns="0" tIns="0" rIns="0" bIns="0" rtlCol="0">
-            <a:noAutofit/>
-          </a:bodyPr>
-          <a:lstStyle/>
-          <a:p>
-            <a:pPr algn="ctr"/>
-            <a:r>
-              <a:rPr lang="en-US" sz="1100" dirty="0" smtClean="0">
-                <a:solidFill>
-                  <a:srgbClr val="7030A0"/>
-                </a:solidFill>
-              </a:rPr>
-              <a:t>1</a:t>
-            </a:r>
-            <a:endParaRPr lang="en-SG" sz="1100" dirty="0">
-              <a:solidFill>
-                <a:srgbClr val="7030A0"/>
-              </a:solidFill>
-            </a:endParaRPr>
-          </a:p>
-        </p:txBody>
-      </p:sp>
-      <p:sp>
-        <p:nvSpPr>
-          <p:cNvPr id="134" name="Rectangle 8"/>
-          <p:cNvSpPr/>
-          <p:nvPr/>
-        </p:nvSpPr>
-        <p:spPr>
-          <a:xfrm>
-            <a:off x="8121264" y="3125264"/>
-            <a:ext cx="697798" cy="377567"/>
-          </a:xfrm>
-          <a:prstGeom prst="rect">
-            <a:avLst/>
-          </a:prstGeom>
-          <a:ln w="19050">
-            <a:solidFill>
-              <a:srgbClr val="7030A0"/>
-            </a:solidFill>
-          </a:ln>
-          <a:effectLst/>
-        </p:spPr>
-        <p:style>
-          <a:lnRef idx="1">
-            <a:schemeClr val="accent4"/>
-          </a:lnRef>
-          <a:fillRef idx="2">
-            <a:schemeClr val="accent4"/>
-          </a:fillRef>
-          <a:effectRef idx="1">
-            <a:schemeClr val="accent4"/>
-          </a:effectRef>
-          <a:fontRef idx="minor">
-            <a:schemeClr val="dk1"/>
-          </a:fontRef>
-        </p:style>
-        <p:txBody>
-          <a:bodyPr rtlCol="0" anchor="ctr"/>
-          <a:lstStyle/>
-          <a:p>
-            <a:pPr algn="ctr"/>
-            <a:r>
-              <a:rPr lang="en-US" sz="1050" smtClean="0">
+              <a:rPr lang="en-US" sz="1050">
                 <a:solidFill>
                   <a:srgbClr val="7030A0"/>
                 </a:solidFill>
@@ -7826,7 +7598,7 @@
           <a:p>
             <a:pPr algn="ctr"/>
             <a:r>
-              <a:rPr lang="en-US" sz="1100" dirty="0" smtClean="0">
+              <a:rPr lang="en-US" sz="1100" dirty="0">
                 <a:solidFill>
                   <a:srgbClr val="7030A0"/>
                 </a:solidFill>
@@ -7913,6 +7685,848 @@
           </a:fontRef>
         </p:style>
       </p:cxnSp>
+      <p:sp>
+        <p:nvSpPr>
+          <p:cNvPr id="131" name="Rectangle 8">
+            <a:extLst>
+              <a:ext uri="{FF2B5EF4-FFF2-40B4-BE49-F238E27FC236}">
+                <a16:creationId xmlns="" xmlns:a16="http://schemas.microsoft.com/office/drawing/2014/main" id="{1366B9EF-DBFF-4DE2-AC37-A651987C3B92}"/>
+              </a:ext>
+            </a:extLst>
+          </p:cNvPr>
+          <p:cNvSpPr/>
+          <p:nvPr/>
+        </p:nvSpPr>
+        <p:spPr>
+          <a:xfrm>
+            <a:off x="2635499" y="4751233"/>
+            <a:ext cx="1093635" cy="346760"/>
+          </a:xfrm>
+          <a:prstGeom prst="rect">
+            <a:avLst/>
+          </a:prstGeom>
+          <a:ln w="19050">
+            <a:solidFill>
+              <a:srgbClr val="7030A0"/>
+            </a:solidFill>
+          </a:ln>
+          <a:effectLst/>
+        </p:spPr>
+        <p:style>
+          <a:lnRef idx="1">
+            <a:schemeClr val="accent4"/>
+          </a:lnRef>
+          <a:fillRef idx="2">
+            <a:schemeClr val="accent4"/>
+          </a:fillRef>
+          <a:effectRef idx="1">
+            <a:schemeClr val="accent4"/>
+          </a:effectRef>
+          <a:fontRef idx="minor">
+            <a:schemeClr val="dk1"/>
+          </a:fontRef>
+        </p:style>
+        <p:txBody>
+          <a:bodyPr rtlCol="0" anchor="ctr"/>
+          <a:lstStyle/>
+          <a:p>
+            <a:pPr algn="ctr"/>
+            <a:r>
+              <a:rPr lang="en-US" sz="1050" dirty="0">
+                <a:solidFill>
+                  <a:srgbClr val="7030A0"/>
+                </a:solidFill>
+              </a:rPr>
+              <a:t>Account</a:t>
+            </a:r>
+            <a:endParaRPr lang="en-SG" sz="1050" dirty="0">
+              <a:solidFill>
+                <a:srgbClr val="7030A0"/>
+              </a:solidFill>
+            </a:endParaRPr>
+          </a:p>
+        </p:txBody>
+      </p:sp>
+      <p:sp>
+        <p:nvSpPr>
+          <p:cNvPr id="132" name="Rectangle 8">
+            <a:extLst>
+              <a:ext uri="{FF2B5EF4-FFF2-40B4-BE49-F238E27FC236}">
+                <a16:creationId xmlns="" xmlns:a16="http://schemas.microsoft.com/office/drawing/2014/main" id="{B8ACB042-E45C-4851-A55C-B4FB26A12702}"/>
+              </a:ext>
+            </a:extLst>
+          </p:cNvPr>
+          <p:cNvSpPr/>
+          <p:nvPr/>
+        </p:nvSpPr>
+        <p:spPr>
+          <a:xfrm>
+            <a:off x="4251274" y="4783092"/>
+            <a:ext cx="1539926" cy="346760"/>
+          </a:xfrm>
+          <a:prstGeom prst="rect">
+            <a:avLst/>
+          </a:prstGeom>
+          <a:ln w="19050">
+            <a:solidFill>
+              <a:srgbClr val="7030A0"/>
+            </a:solidFill>
+          </a:ln>
+          <a:effectLst/>
+        </p:spPr>
+        <p:style>
+          <a:lnRef idx="1">
+            <a:schemeClr val="accent4"/>
+          </a:lnRef>
+          <a:fillRef idx="2">
+            <a:schemeClr val="accent4"/>
+          </a:fillRef>
+          <a:effectRef idx="1">
+            <a:schemeClr val="accent4"/>
+          </a:effectRef>
+          <a:fontRef idx="minor">
+            <a:schemeClr val="dk1"/>
+          </a:fontRef>
+        </p:style>
+        <p:txBody>
+          <a:bodyPr rtlCol="0" anchor="ctr"/>
+          <a:lstStyle/>
+          <a:p>
+            <a:pPr algn="ctr"/>
+            <a:r>
+              <a:rPr lang="en-US" sz="1050" dirty="0">
+                <a:solidFill>
+                  <a:srgbClr val="7030A0"/>
+                </a:solidFill>
+              </a:rPr>
+              <a:t>&lt;&lt;interface&gt;&gt;</a:t>
+            </a:r>
+            <a:br>
+              <a:rPr lang="en-US" sz="1050" dirty="0">
+                <a:solidFill>
+                  <a:srgbClr val="7030A0"/>
+                </a:solidFill>
+              </a:rPr>
+            </a:br>
+            <a:r>
+              <a:rPr lang="en-US" sz="1050" dirty="0" err="1">
+                <a:solidFill>
+                  <a:srgbClr val="7030A0"/>
+                </a:solidFill>
+              </a:rPr>
+              <a:t>ReadOnlyAccount</a:t>
+            </a:r>
+            <a:endParaRPr lang="en-SG" sz="1050" dirty="0">
+              <a:solidFill>
+                <a:srgbClr val="7030A0"/>
+              </a:solidFill>
+            </a:endParaRPr>
+          </a:p>
+        </p:txBody>
+      </p:sp>
+      <p:cxnSp>
+        <p:nvCxnSpPr>
+          <p:cNvPr id="151" name="Straight Arrow Connector 150">
+            <a:extLst>
+              <a:ext uri="{FF2B5EF4-FFF2-40B4-BE49-F238E27FC236}">
+                <a16:creationId xmlns="" xmlns:a16="http://schemas.microsoft.com/office/drawing/2014/main" id="{F1A062C6-AEA1-4FFD-B8C0-9269EA52B7B7}"/>
+              </a:ext>
+            </a:extLst>
+          </p:cNvPr>
+          <p:cNvCxnSpPr>
+            <a:stCxn id="153" idx="3"/>
+          </p:cNvCxnSpPr>
+          <p:nvPr/>
+        </p:nvCxnSpPr>
+        <p:spPr>
+          <a:xfrm>
+            <a:off x="2412524" y="4940289"/>
+            <a:ext cx="220810" cy="5284"/>
+          </a:xfrm>
+          <a:prstGeom prst="straightConnector1">
+            <a:avLst/>
+          </a:prstGeom>
+          <a:ln w="19050">
+            <a:solidFill>
+              <a:srgbClr val="7030A0"/>
+            </a:solidFill>
+            <a:headEnd type="none" w="med" len="med"/>
+            <a:tailEnd type="arrow" w="med" len="med"/>
+          </a:ln>
+          <a:effectLst/>
+        </p:spPr>
+        <p:style>
+          <a:lnRef idx="1">
+            <a:schemeClr val="accent2"/>
+          </a:lnRef>
+          <a:fillRef idx="2">
+            <a:schemeClr val="accent2"/>
+          </a:fillRef>
+          <a:effectRef idx="1">
+            <a:schemeClr val="accent2"/>
+          </a:effectRef>
+          <a:fontRef idx="minor">
+            <a:schemeClr val="dk1"/>
+          </a:fontRef>
+        </p:style>
+      </p:cxnSp>
+      <p:sp>
+        <p:nvSpPr>
+          <p:cNvPr id="153" name="Flowchart: Decision 96">
+            <a:extLst>
+              <a:ext uri="{FF2B5EF4-FFF2-40B4-BE49-F238E27FC236}">
+                <a16:creationId xmlns="" xmlns:a16="http://schemas.microsoft.com/office/drawing/2014/main" id="{2631500F-D5D1-4688-BD4E-A7CB79BA9C3A}"/>
+              </a:ext>
+            </a:extLst>
+          </p:cNvPr>
+          <p:cNvSpPr/>
+          <p:nvPr/>
+        </p:nvSpPr>
+        <p:spPr>
+          <a:xfrm>
+            <a:off x="2176476" y="4853599"/>
+            <a:ext cx="236048" cy="173380"/>
+          </a:xfrm>
+          <a:prstGeom prst="flowChartDecision">
+            <a:avLst/>
+          </a:prstGeom>
+          <a:noFill/>
+          <a:ln w="19050">
+            <a:solidFill>
+              <a:srgbClr val="7030A0"/>
+            </a:solidFill>
+          </a:ln>
+          <a:effectLst/>
+        </p:spPr>
+        <p:style>
+          <a:lnRef idx="1">
+            <a:schemeClr val="accent6"/>
+          </a:lnRef>
+          <a:fillRef idx="2">
+            <a:schemeClr val="accent6"/>
+          </a:fillRef>
+          <a:effectRef idx="1">
+            <a:schemeClr val="accent6"/>
+          </a:effectRef>
+          <a:fontRef idx="minor">
+            <a:schemeClr val="dk1"/>
+          </a:fontRef>
+        </p:style>
+        <p:txBody>
+          <a:bodyPr rtlCol="0" anchor="ctr"/>
+          <a:lstStyle/>
+          <a:p>
+            <a:pPr algn="ctr"/>
+            <a:endParaRPr lang="en-US" sz="1050"/>
+          </a:p>
+        </p:txBody>
+      </p:sp>
+      <p:sp>
+        <p:nvSpPr>
+          <p:cNvPr id="155" name="TextBox 154">
+            <a:extLst>
+              <a:ext uri="{FF2B5EF4-FFF2-40B4-BE49-F238E27FC236}">
+                <a16:creationId xmlns="" xmlns:a16="http://schemas.microsoft.com/office/drawing/2014/main" id="{855AEBA6-430F-4862-9640-D446BB40FC46}"/>
+              </a:ext>
+            </a:extLst>
+          </p:cNvPr>
+          <p:cNvSpPr txBox="1"/>
+          <p:nvPr/>
+        </p:nvSpPr>
+        <p:spPr>
+          <a:xfrm>
+            <a:off x="2412524" y="4682420"/>
+            <a:ext cx="189257" cy="178683"/>
+          </a:xfrm>
+          <a:prstGeom prst="rect">
+            <a:avLst/>
+          </a:prstGeom>
+          <a:noFill/>
+        </p:spPr>
+        <p:txBody>
+          <a:bodyPr wrap="square" lIns="0" tIns="0" rIns="0" bIns="0" rtlCol="0">
+            <a:noAutofit/>
+          </a:bodyPr>
+          <a:lstStyle/>
+          <a:p>
+            <a:pPr algn="ctr"/>
+            <a:r>
+              <a:rPr lang="en-US" sz="1100" dirty="0">
+                <a:solidFill>
+                  <a:srgbClr val="7030A0"/>
+                </a:solidFill>
+              </a:rPr>
+              <a:t>1</a:t>
+            </a:r>
+            <a:endParaRPr lang="en-SG" sz="1100" dirty="0">
+              <a:solidFill>
+                <a:srgbClr val="7030A0"/>
+              </a:solidFill>
+            </a:endParaRPr>
+          </a:p>
+        </p:txBody>
+      </p:sp>
+      <p:sp>
+        <p:nvSpPr>
+          <p:cNvPr id="158" name="Flowchart: Decision 96">
+            <a:extLst>
+              <a:ext uri="{FF2B5EF4-FFF2-40B4-BE49-F238E27FC236}">
+                <a16:creationId xmlns="" xmlns:a16="http://schemas.microsoft.com/office/drawing/2014/main" id="{F6278ABD-FBD0-4B89-8A78-296087350AF3}"/>
+              </a:ext>
+            </a:extLst>
+          </p:cNvPr>
+          <p:cNvSpPr/>
+          <p:nvPr/>
+        </p:nvSpPr>
+        <p:spPr>
+          <a:xfrm>
+            <a:off x="3731994" y="4861103"/>
+            <a:ext cx="236048" cy="173380"/>
+          </a:xfrm>
+          <a:prstGeom prst="flowChartDecision">
+            <a:avLst/>
+          </a:prstGeom>
+          <a:solidFill>
+            <a:srgbClr val="7030A0"/>
+          </a:solidFill>
+          <a:ln w="19050">
+            <a:solidFill>
+              <a:srgbClr val="7030A0"/>
+            </a:solidFill>
+          </a:ln>
+          <a:effectLst/>
+        </p:spPr>
+        <p:style>
+          <a:lnRef idx="1">
+            <a:schemeClr val="accent6"/>
+          </a:lnRef>
+          <a:fillRef idx="2">
+            <a:schemeClr val="accent6"/>
+          </a:fillRef>
+          <a:effectRef idx="1">
+            <a:schemeClr val="accent6"/>
+          </a:effectRef>
+          <a:fontRef idx="minor">
+            <a:schemeClr val="dk1"/>
+          </a:fontRef>
+        </p:style>
+        <p:txBody>
+          <a:bodyPr rtlCol="0" anchor="ctr"/>
+          <a:lstStyle/>
+          <a:p>
+            <a:pPr algn="ctr"/>
+            <a:endParaRPr lang="en-US" sz="1050"/>
+          </a:p>
+        </p:txBody>
+      </p:sp>
+      <p:cxnSp>
+        <p:nvCxnSpPr>
+          <p:cNvPr id="159" name="Straight Arrow Connector 158">
+            <a:extLst>
+              <a:ext uri="{FF2B5EF4-FFF2-40B4-BE49-F238E27FC236}">
+                <a16:creationId xmlns="" xmlns:a16="http://schemas.microsoft.com/office/drawing/2014/main" id="{698B8FBD-DA2A-47DF-AF14-03A66EDE6E5E}"/>
+              </a:ext>
+            </a:extLst>
+          </p:cNvPr>
+          <p:cNvCxnSpPr/>
+          <p:nvPr/>
+        </p:nvCxnSpPr>
+        <p:spPr>
+          <a:xfrm>
+            <a:off x="3976316" y="4945643"/>
+            <a:ext cx="254152" cy="0"/>
+          </a:xfrm>
+          <a:prstGeom prst="straightConnector1">
+            <a:avLst/>
+          </a:prstGeom>
+          <a:ln w="19050">
+            <a:solidFill>
+              <a:srgbClr val="7030A0"/>
+            </a:solidFill>
+            <a:headEnd type="none" w="med" len="med"/>
+            <a:tailEnd type="arrow" w="med" len="med"/>
+          </a:ln>
+          <a:effectLst/>
+        </p:spPr>
+        <p:style>
+          <a:lnRef idx="1">
+            <a:schemeClr val="accent2"/>
+          </a:lnRef>
+          <a:fillRef idx="2">
+            <a:schemeClr val="accent2"/>
+          </a:fillRef>
+          <a:effectRef idx="1">
+            <a:schemeClr val="accent2"/>
+          </a:effectRef>
+          <a:fontRef idx="minor">
+            <a:schemeClr val="dk1"/>
+          </a:fontRef>
+        </p:style>
+      </p:cxnSp>
+      <p:sp>
+        <p:nvSpPr>
+          <p:cNvPr id="160" name="Rectangle 8">
+            <a:extLst>
+              <a:ext uri="{FF2B5EF4-FFF2-40B4-BE49-F238E27FC236}">
+                <a16:creationId xmlns="" xmlns:a16="http://schemas.microsoft.com/office/drawing/2014/main" id="{C7AA3096-E1D3-479E-B9DC-D343D05433FF}"/>
+              </a:ext>
+            </a:extLst>
+          </p:cNvPr>
+          <p:cNvSpPr/>
+          <p:nvPr/>
+        </p:nvSpPr>
+        <p:spPr>
+          <a:xfrm>
+            <a:off x="5361562" y="5404538"/>
+            <a:ext cx="708186" cy="346760"/>
+          </a:xfrm>
+          <a:prstGeom prst="rect">
+            <a:avLst/>
+          </a:prstGeom>
+          <a:ln w="19050">
+            <a:solidFill>
+              <a:srgbClr val="7030A0"/>
+            </a:solidFill>
+          </a:ln>
+          <a:effectLst/>
+        </p:spPr>
+        <p:style>
+          <a:lnRef idx="1">
+            <a:schemeClr val="accent4"/>
+          </a:lnRef>
+          <a:fillRef idx="2">
+            <a:schemeClr val="accent4"/>
+          </a:fillRef>
+          <a:effectRef idx="1">
+            <a:schemeClr val="accent4"/>
+          </a:effectRef>
+          <a:fontRef idx="minor">
+            <a:schemeClr val="dk1"/>
+          </a:fontRef>
+        </p:style>
+        <p:txBody>
+          <a:bodyPr rtlCol="0" anchor="ctr"/>
+          <a:lstStyle/>
+          <a:p>
+            <a:pPr algn="ctr"/>
+            <a:r>
+              <a:rPr lang="en-SG" sz="1050" dirty="0">
+                <a:solidFill>
+                  <a:srgbClr val="7030A0"/>
+                </a:solidFill>
+              </a:rPr>
+              <a:t>User</a:t>
+            </a:r>
+          </a:p>
+        </p:txBody>
+      </p:sp>
+      <p:sp>
+        <p:nvSpPr>
+          <p:cNvPr id="161" name="Flowchart: Decision 96">
+            <a:extLst>
+              <a:ext uri="{FF2B5EF4-FFF2-40B4-BE49-F238E27FC236}">
+                <a16:creationId xmlns="" xmlns:a16="http://schemas.microsoft.com/office/drawing/2014/main" id="{99F924BA-3191-4BBF-B6A8-13E2B1992892}"/>
+              </a:ext>
+            </a:extLst>
+          </p:cNvPr>
+          <p:cNvSpPr/>
+          <p:nvPr/>
+        </p:nvSpPr>
+        <p:spPr>
+          <a:xfrm>
+            <a:off x="4892609" y="5129852"/>
+            <a:ext cx="236048" cy="173380"/>
+          </a:xfrm>
+          <a:prstGeom prst="flowChartDecision">
+            <a:avLst/>
+          </a:prstGeom>
+          <a:noFill/>
+          <a:ln w="19050">
+            <a:solidFill>
+              <a:srgbClr val="7030A0"/>
+            </a:solidFill>
+          </a:ln>
+          <a:effectLst/>
+        </p:spPr>
+        <p:style>
+          <a:lnRef idx="1">
+            <a:schemeClr val="accent6"/>
+          </a:lnRef>
+          <a:fillRef idx="2">
+            <a:schemeClr val="accent6"/>
+          </a:fillRef>
+          <a:effectRef idx="1">
+            <a:schemeClr val="accent6"/>
+          </a:effectRef>
+          <a:fontRef idx="minor">
+            <a:schemeClr val="dk1"/>
+          </a:fontRef>
+        </p:style>
+        <p:txBody>
+          <a:bodyPr rtlCol="0" anchor="ctr"/>
+          <a:lstStyle/>
+          <a:p>
+            <a:pPr algn="ctr"/>
+            <a:endParaRPr lang="en-US" sz="1050"/>
+          </a:p>
+        </p:txBody>
+      </p:sp>
+      <p:cxnSp>
+        <p:nvCxnSpPr>
+          <p:cNvPr id="164" name="Elbow Connector 49">
+            <a:extLst>
+              <a:ext uri="{FF2B5EF4-FFF2-40B4-BE49-F238E27FC236}">
+                <a16:creationId xmlns="" xmlns:a16="http://schemas.microsoft.com/office/drawing/2014/main" id="{38932B22-0E44-4A2D-88FE-666305B9D156}"/>
+              </a:ext>
+            </a:extLst>
+          </p:cNvPr>
+          <p:cNvCxnSpPr>
+            <a:cxnSpLocks/>
+            <a:stCxn id="161" idx="2"/>
+            <a:endCxn id="160" idx="1"/>
+          </p:cNvCxnSpPr>
+          <p:nvPr/>
+        </p:nvCxnSpPr>
+        <p:spPr>
+          <a:xfrm rot="16200000" flipH="1">
+            <a:off x="5048754" y="5265110"/>
+            <a:ext cx="274686" cy="350929"/>
+          </a:xfrm>
+          <a:prstGeom prst="bentConnector2">
+            <a:avLst/>
+          </a:prstGeom>
+          <a:ln w="19050">
+            <a:solidFill>
+              <a:srgbClr val="7030A0"/>
+            </a:solidFill>
+            <a:headEnd type="none" w="med" len="med"/>
+            <a:tailEnd type="arrow" w="med" len="med"/>
+          </a:ln>
+          <a:effectLst/>
+        </p:spPr>
+        <p:style>
+          <a:lnRef idx="1">
+            <a:schemeClr val="accent2"/>
+          </a:lnRef>
+          <a:fillRef idx="2">
+            <a:schemeClr val="accent2"/>
+          </a:fillRef>
+          <a:effectRef idx="1">
+            <a:schemeClr val="accent2"/>
+          </a:effectRef>
+          <a:fontRef idx="minor">
+            <a:schemeClr val="dk1"/>
+          </a:fontRef>
+        </p:style>
+      </p:cxnSp>
+      <p:cxnSp>
+        <p:nvCxnSpPr>
+          <p:cNvPr id="165" name="Elbow Connector 49">
+            <a:extLst>
+              <a:ext uri="{FF2B5EF4-FFF2-40B4-BE49-F238E27FC236}">
+                <a16:creationId xmlns="" xmlns:a16="http://schemas.microsoft.com/office/drawing/2014/main" id="{DF0BF1C8-B15B-4DC7-875D-3AD8324EB5B5}"/>
+              </a:ext>
+            </a:extLst>
+          </p:cNvPr>
+          <p:cNvCxnSpPr>
+            <a:cxnSpLocks/>
+            <a:stCxn id="95" idx="3"/>
+            <a:endCxn id="101" idx="1"/>
+          </p:cNvCxnSpPr>
+          <p:nvPr/>
+        </p:nvCxnSpPr>
+        <p:spPr>
+          <a:xfrm>
+            <a:off x="5597610" y="3676617"/>
+            <a:ext cx="308958" cy="164152"/>
+          </a:xfrm>
+          <a:prstGeom prst="bentConnector3">
+            <a:avLst>
+              <a:gd name="adj1" fmla="val 50000"/>
+            </a:avLst>
+          </a:prstGeom>
+          <a:ln w="19050">
+            <a:solidFill>
+              <a:srgbClr val="7030A0"/>
+            </a:solidFill>
+            <a:headEnd type="none" w="med" len="med"/>
+            <a:tailEnd type="arrow" w="med" len="med"/>
+          </a:ln>
+          <a:effectLst/>
+        </p:spPr>
+        <p:style>
+          <a:lnRef idx="1">
+            <a:schemeClr val="accent2"/>
+          </a:lnRef>
+          <a:fillRef idx="2">
+            <a:schemeClr val="accent2"/>
+          </a:fillRef>
+          <a:effectRef idx="1">
+            <a:schemeClr val="accent2"/>
+          </a:effectRef>
+          <a:fontRef idx="minor">
+            <a:schemeClr val="dk1"/>
+          </a:fontRef>
+        </p:style>
+      </p:cxnSp>
+      <p:sp>
+        <p:nvSpPr>
+          <p:cNvPr id="166" name="TextBox 165">
+            <a:extLst>
+              <a:ext uri="{FF2B5EF4-FFF2-40B4-BE49-F238E27FC236}">
+                <a16:creationId xmlns="" xmlns:a16="http://schemas.microsoft.com/office/drawing/2014/main" id="{C58C7EB3-7741-4900-9180-C0220789FE1B}"/>
+              </a:ext>
+            </a:extLst>
+          </p:cNvPr>
+          <p:cNvSpPr txBox="1"/>
+          <p:nvPr/>
+        </p:nvSpPr>
+        <p:spPr>
+          <a:xfrm>
+            <a:off x="5092219" y="5440574"/>
+            <a:ext cx="189257" cy="178683"/>
+          </a:xfrm>
+          <a:prstGeom prst="rect">
+            <a:avLst/>
+          </a:prstGeom>
+          <a:noFill/>
+        </p:spPr>
+        <p:txBody>
+          <a:bodyPr wrap="square" lIns="0" tIns="0" rIns="0" bIns="0" rtlCol="0">
+            <a:noAutofit/>
+          </a:bodyPr>
+          <a:lstStyle/>
+          <a:p>
+            <a:pPr algn="ctr"/>
+            <a:r>
+              <a:rPr lang="en-US" sz="1100" dirty="0">
+                <a:solidFill>
+                  <a:srgbClr val="7030A0"/>
+                </a:solidFill>
+              </a:rPr>
+              <a:t>*</a:t>
+            </a:r>
+            <a:endParaRPr lang="en-SG" sz="1100" dirty="0">
+              <a:solidFill>
+                <a:srgbClr val="7030A0"/>
+              </a:solidFill>
+            </a:endParaRPr>
+          </a:p>
+        </p:txBody>
+      </p:sp>
+      <p:cxnSp>
+        <p:nvCxnSpPr>
+          <p:cNvPr id="176" name="Elbow Connector 49">
+            <a:extLst>
+              <a:ext uri="{FF2B5EF4-FFF2-40B4-BE49-F238E27FC236}">
+                <a16:creationId xmlns="" xmlns:a16="http://schemas.microsoft.com/office/drawing/2014/main" id="{802F5905-B691-4D6E-B2E4-73A97F2520F1}"/>
+              </a:ext>
+            </a:extLst>
+          </p:cNvPr>
+          <p:cNvCxnSpPr>
+            <a:cxnSpLocks/>
+            <a:stCxn id="9" idx="1"/>
+            <a:endCxn id="101" idx="2"/>
+          </p:cNvCxnSpPr>
+          <p:nvPr/>
+        </p:nvCxnSpPr>
+        <p:spPr>
+          <a:xfrm rot="5400000" flipH="1" flipV="1">
+            <a:off x="3563759" y="2408133"/>
+            <a:ext cx="1090885" cy="4302917"/>
+          </a:xfrm>
+          <a:prstGeom prst="bentConnector3">
+            <a:avLst>
+              <a:gd name="adj1" fmla="val -70437"/>
+            </a:avLst>
+          </a:prstGeom>
+          <a:ln w="19050">
+            <a:solidFill>
+              <a:srgbClr val="7030A0"/>
+            </a:solidFill>
+            <a:headEnd type="none" w="med" len="med"/>
+            <a:tailEnd type="arrow" w="med" len="med"/>
+          </a:ln>
+          <a:effectLst/>
+        </p:spPr>
+        <p:style>
+          <a:lnRef idx="1">
+            <a:schemeClr val="accent2"/>
+          </a:lnRef>
+          <a:fillRef idx="2">
+            <a:schemeClr val="accent2"/>
+          </a:fillRef>
+          <a:effectRef idx="1">
+            <a:schemeClr val="accent2"/>
+          </a:effectRef>
+          <a:fontRef idx="minor">
+            <a:schemeClr val="dk1"/>
+          </a:fontRef>
+        </p:style>
+      </p:cxnSp>
+      <p:cxnSp>
+        <p:nvCxnSpPr>
+          <p:cNvPr id="109" name="Elbow Connector 63"/>
+          <p:cNvCxnSpPr/>
+          <p:nvPr/>
+        </p:nvCxnSpPr>
+        <p:spPr>
+          <a:xfrm rot="16200000" flipV="1">
+            <a:off x="5904989" y="4545506"/>
+            <a:ext cx="1407765" cy="382372"/>
+          </a:xfrm>
+          <a:prstGeom prst="bentConnector3">
+            <a:avLst>
+              <a:gd name="adj1" fmla="val 282"/>
+            </a:avLst>
+          </a:prstGeom>
+          <a:ln w="19050">
+            <a:solidFill>
+              <a:srgbClr val="7030A0"/>
+            </a:solidFill>
+            <a:prstDash val="sysDot"/>
+            <a:headEnd type="none" w="med" len="med"/>
+            <a:tailEnd type="none" w="med" len="med"/>
+          </a:ln>
+          <a:effectLst/>
+        </p:spPr>
+        <p:style>
+          <a:lnRef idx="1">
+            <a:schemeClr val="accent2"/>
+          </a:lnRef>
+          <a:fillRef idx="2">
+            <a:schemeClr val="accent2"/>
+          </a:fillRef>
+          <a:effectRef idx="1">
+            <a:schemeClr val="accent2"/>
+          </a:effectRef>
+          <a:fontRef idx="minor">
+            <a:schemeClr val="dk1"/>
+          </a:fontRef>
+        </p:style>
+      </p:cxnSp>
+      <p:sp>
+        <p:nvSpPr>
+          <p:cNvPr id="111" name="Isosceles Triangle 102"/>
+          <p:cNvSpPr/>
+          <p:nvPr/>
+        </p:nvSpPr>
+        <p:spPr>
+          <a:xfrm rot="5400000">
+            <a:off x="6793715" y="5350217"/>
+            <a:ext cx="224517" cy="180713"/>
+          </a:xfrm>
+          <a:prstGeom prst="triangle">
+            <a:avLst/>
+          </a:prstGeom>
+          <a:solidFill>
+            <a:srgbClr val="7030A0"/>
+          </a:solidFill>
+          <a:ln w="19050">
+            <a:solidFill>
+              <a:srgbClr val="7030A0"/>
+            </a:solidFill>
+          </a:ln>
+          <a:effectLst/>
+        </p:spPr>
+        <p:style>
+          <a:lnRef idx="1">
+            <a:schemeClr val="accent4"/>
+          </a:lnRef>
+          <a:fillRef idx="2">
+            <a:schemeClr val="accent4"/>
+          </a:fillRef>
+          <a:effectRef idx="1">
+            <a:schemeClr val="accent4"/>
+          </a:effectRef>
+          <a:fontRef idx="minor">
+            <a:schemeClr val="dk1"/>
+          </a:fontRef>
+        </p:style>
+        <p:txBody>
+          <a:bodyPr rtlCol="0" anchor="ctr"/>
+          <a:lstStyle/>
+          <a:p>
+            <a:pPr algn="ctr"/>
+            <a:endParaRPr lang="en-SG" sz="1050" b="1">
+              <a:solidFill>
+                <a:srgbClr val="92D050"/>
+              </a:solidFill>
+            </a:endParaRPr>
+          </a:p>
+        </p:txBody>
+      </p:sp>
+      <p:sp>
+        <p:nvSpPr>
+          <p:cNvPr id="112" name="Rectangle 8"/>
+          <p:cNvSpPr/>
+          <p:nvPr/>
+        </p:nvSpPr>
+        <p:spPr>
+          <a:xfrm>
+            <a:off x="7010400" y="5292040"/>
+            <a:ext cx="1156969" cy="346760"/>
+          </a:xfrm>
+          <a:prstGeom prst="rect">
+            <a:avLst/>
+          </a:prstGeom>
+          <a:ln w="19050">
+            <a:solidFill>
+              <a:srgbClr val="7030A0"/>
+            </a:solidFill>
+          </a:ln>
+          <a:effectLst/>
+        </p:spPr>
+        <p:style>
+          <a:lnRef idx="1">
+            <a:schemeClr val="accent4"/>
+          </a:lnRef>
+          <a:fillRef idx="2">
+            <a:schemeClr val="accent4"/>
+          </a:fillRef>
+          <a:effectRef idx="1">
+            <a:schemeClr val="accent4"/>
+          </a:effectRef>
+          <a:fontRef idx="minor">
+            <a:schemeClr val="dk1"/>
+          </a:fontRef>
+        </p:style>
+        <p:txBody>
+          <a:bodyPr rtlCol="0" anchor="ctr"/>
+          <a:lstStyle/>
+          <a:p>
+            <a:pPr algn="ctr"/>
+            <a:r>
+              <a:rPr lang="en-US" sz="1050" dirty="0">
+                <a:solidFill>
+                  <a:srgbClr val="7030A0"/>
+                </a:solidFill>
+              </a:rPr>
+              <a:t>&lt;&lt;interface&gt;&gt;</a:t>
+            </a:r>
+            <a:br>
+              <a:rPr lang="en-US" sz="1050" dirty="0">
+                <a:solidFill>
+                  <a:srgbClr val="7030A0"/>
+                </a:solidFill>
+              </a:rPr>
+            </a:br>
+            <a:r>
+              <a:rPr lang="en-US" sz="1050" dirty="0" err="1" smtClean="0">
+                <a:solidFill>
+                  <a:srgbClr val="7030A0"/>
+                </a:solidFill>
+              </a:rPr>
+              <a:t>ReadOnlyEvent</a:t>
+            </a:r>
+            <a:endParaRPr lang="en-SG" sz="1050" dirty="0">
+              <a:solidFill>
+                <a:srgbClr val="7030A0"/>
+              </a:solidFill>
+            </a:endParaRPr>
+          </a:p>
+        </p:txBody>
+      </p:sp>
     </p:spTree>
     <p:extLst>
       <p:ext uri="{BB962C8B-B14F-4D97-AF65-F5344CB8AC3E}">
@@ -7923,13 +8537,6 @@
   <p:clrMapOvr>
     <a:masterClrMapping/>
   </p:clrMapOvr>
-  <p:timing>
-    <p:tnLst>
-      <p:par>
-        <p:cTn id="1" dur="indefinite" restart="never" nodeType="tmRoot"/>
-      </p:par>
-    </p:tnLst>
-  </p:timing>
 </p:sld>
 </file>
 
